--- a/Documents/Slides/Identity-SecurityFeatures.pptx
+++ b/Documents/Slides/Identity-SecurityFeatures.pptx
@@ -5,10 +5,10 @@
     <p:sldMasterId id="2147483648" r:id="rId1"/>
   </p:sldMasterIdLst>
   <p:notesMasterIdLst>
-    <p:notesMasterId r:id="rId12"/>
+    <p:notesMasterId r:id="rId22"/>
   </p:notesMasterIdLst>
   <p:handoutMasterIdLst>
-    <p:handoutMasterId r:id="rId13"/>
+    <p:handoutMasterId r:id="rId23"/>
   </p:handoutMasterIdLst>
   <p:sldIdLst>
     <p:sldId id="256" r:id="rId2"/>
@@ -21,6 +21,16 @@
     <p:sldId id="415" r:id="rId9"/>
     <p:sldId id="411" r:id="rId10"/>
     <p:sldId id="412" r:id="rId11"/>
+    <p:sldId id="416" r:id="rId12"/>
+    <p:sldId id="417" r:id="rId13"/>
+    <p:sldId id="418" r:id="rId14"/>
+    <p:sldId id="419" r:id="rId15"/>
+    <p:sldId id="420" r:id="rId16"/>
+    <p:sldId id="421" r:id="rId17"/>
+    <p:sldId id="422" r:id="rId18"/>
+    <p:sldId id="423" r:id="rId19"/>
+    <p:sldId id="424" r:id="rId20"/>
+    <p:sldId id="425" r:id="rId21"/>
   </p:sldIdLst>
   <p:sldSz cx="9144000" cy="6858000" type="screen4x3"/>
   <p:notesSz cx="6867525" cy="9994900"/>
@@ -1694,7 +1704,6 @@
             <a:rPr lang="en-US" dirty="0" smtClean="0"/>
             <a:t>Security Stamp</a:t>
           </a:r>
-          <a:endParaRPr lang="en-US" dirty="0" smtClean="0"/>
         </a:p>
       </dgm:t>
     </dgm:pt>
@@ -1731,7 +1740,6 @@
             <a:rPr lang="en-US" dirty="0" smtClean="0"/>
             <a:t>Purpose</a:t>
           </a:r>
-          <a:endParaRPr lang="en-US" dirty="0" smtClean="0"/>
         </a:p>
       </dgm:t>
     </dgm:pt>
@@ -1827,7 +1835,7 @@
       </dgm:t>
     </dgm:pt>
     <dgm:pt modelId="{082C1469-7809-41E5-B99E-9BA48C43295F}" type="pres">
-      <dgm:prSet presAssocID="{7E829DBF-11EB-4D72-AD4A-9FFEFE4340A9}" presName="entireBox" presStyleLbl="node1" presStyleIdx="0" presStyleCnt="1" custLinFactX="33333" custLinFactNeighborX="100000" custLinFactNeighborY="-2433"/>
+      <dgm:prSet presAssocID="{7E829DBF-11EB-4D72-AD4A-9FFEFE4340A9}" presName="entireBox" presStyleLbl="node1" presStyleIdx="0" presStyleCnt="1" custLinFactNeighborY="4514"/>
       <dgm:spPr/>
       <dgm:t>
         <a:bodyPr/>
@@ -1978,7 +1986,6 @@
             <a:rPr lang="en-US" dirty="0" smtClean="0"/>
             <a:t>b9a00ac2-78f2-4551-82ba-bb87d5dfff43</a:t>
           </a:r>
-          <a:endParaRPr lang="en-US" dirty="0" smtClean="0"/>
         </a:p>
       </dgm:t>
     </dgm:pt>
@@ -2015,7 +2022,6 @@
             <a:rPr lang="en-US" dirty="0" smtClean="0"/>
             <a:t>Confirmation</a:t>
           </a:r>
-          <a:endParaRPr lang="en-US" dirty="0" smtClean="0"/>
         </a:p>
       </dgm:t>
     </dgm:pt>
@@ -2172,15 +2178,15 @@
     </dgm:pt>
   </dgm:ptLst>
   <dgm:cxnLst>
+    <dgm:cxn modelId="{9B7B8921-7410-4C62-8DAA-269C0C374F3C}" type="presOf" srcId="{7E829DBF-11EB-4D72-AD4A-9FFEFE4340A9}" destId="{082C1469-7809-41E5-B99E-9BA48C43295F}" srcOrd="1" destOrd="0" presId="urn:microsoft.com/office/officeart/2005/8/layout/process4"/>
+    <dgm:cxn modelId="{21E463F7-2988-4744-8BF5-100254C3ED9B}" type="presOf" srcId="{B5777570-94A7-4320-B723-D6A66C313179}" destId="{9CD6F3CA-B3FC-45CD-AFE8-83034A1E12CA}" srcOrd="0" destOrd="0" presId="urn:microsoft.com/office/officeart/2005/8/layout/process4"/>
+    <dgm:cxn modelId="{39079DED-A848-4F98-B223-0886EF93E3FA}" srcId="{7E829DBF-11EB-4D72-AD4A-9FFEFE4340A9}" destId="{53E479E8-975F-4705-83A5-4755CEAB668E}" srcOrd="2" destOrd="0" parTransId="{94A7142F-E62F-4C8D-87C6-97A92D059A94}" sibTransId="{1ED6F0FB-2C58-4525-8AD7-FA2CACFC61EB}"/>
+    <dgm:cxn modelId="{F78B8920-9381-42BC-844A-E10AD8758C5E}" type="presOf" srcId="{84380697-93A1-4717-937D-A583453B6A3A}" destId="{1F7BECB4-76D7-4619-97E8-90E69CEEB64A}" srcOrd="0" destOrd="0" presId="urn:microsoft.com/office/officeart/2005/8/layout/process4"/>
+    <dgm:cxn modelId="{A13A4508-9D1D-4EA7-92B5-7D7B353A0321}" srcId="{1F8C6969-57BC-422B-A7D8-CEB736D20A22}" destId="{7E829DBF-11EB-4D72-AD4A-9FFEFE4340A9}" srcOrd="0" destOrd="0" parTransId="{B79A9084-4702-49D3-9B1F-C522F5B6A9D5}" sibTransId="{48762A67-82F8-401B-A9A5-4615EBFB853F}"/>
+    <dgm:cxn modelId="{ED5B629C-BFEB-481A-88CF-AE67724110B3}" type="presOf" srcId="{1F8C6969-57BC-422B-A7D8-CEB736D20A22}" destId="{190BD860-8DD3-474B-98D0-B37BA6B8475C}" srcOrd="0" destOrd="0" presId="urn:microsoft.com/office/officeart/2005/8/layout/process4"/>
     <dgm:cxn modelId="{D559203D-4470-4F22-831F-CC50AFA8D35B}" srcId="{7E829DBF-11EB-4D72-AD4A-9FFEFE4340A9}" destId="{B5777570-94A7-4320-B723-D6A66C313179}" srcOrd="0" destOrd="0" parTransId="{B9F1CB2A-7DCC-459F-86B0-4E34DD104B92}" sibTransId="{3058B941-7B65-4F0E-A84D-2774EB2CD7C4}"/>
-    <dgm:cxn modelId="{ED5B629C-BFEB-481A-88CF-AE67724110B3}" type="presOf" srcId="{1F8C6969-57BC-422B-A7D8-CEB736D20A22}" destId="{190BD860-8DD3-474B-98D0-B37BA6B8475C}" srcOrd="0" destOrd="0" presId="urn:microsoft.com/office/officeart/2005/8/layout/process4"/>
-    <dgm:cxn modelId="{A13A4508-9D1D-4EA7-92B5-7D7B353A0321}" srcId="{1F8C6969-57BC-422B-A7D8-CEB736D20A22}" destId="{7E829DBF-11EB-4D72-AD4A-9FFEFE4340A9}" srcOrd="0" destOrd="0" parTransId="{B79A9084-4702-49D3-9B1F-C522F5B6A9D5}" sibTransId="{48762A67-82F8-401B-A9A5-4615EBFB853F}"/>
-    <dgm:cxn modelId="{9B7B8921-7410-4C62-8DAA-269C0C374F3C}" type="presOf" srcId="{7E829DBF-11EB-4D72-AD4A-9FFEFE4340A9}" destId="{082C1469-7809-41E5-B99E-9BA48C43295F}" srcOrd="1" destOrd="0" presId="urn:microsoft.com/office/officeart/2005/8/layout/process4"/>
-    <dgm:cxn modelId="{39079DED-A848-4F98-B223-0886EF93E3FA}" srcId="{7E829DBF-11EB-4D72-AD4A-9FFEFE4340A9}" destId="{53E479E8-975F-4705-83A5-4755CEAB668E}" srcOrd="2" destOrd="0" parTransId="{94A7142F-E62F-4C8D-87C6-97A92D059A94}" sibTransId="{1ED6F0FB-2C58-4525-8AD7-FA2CACFC61EB}"/>
+    <dgm:cxn modelId="{B0BEBB14-4FA9-4D62-948B-0BA3F59D42C5}" srcId="{7E829DBF-11EB-4D72-AD4A-9FFEFE4340A9}" destId="{84380697-93A1-4717-937D-A583453B6A3A}" srcOrd="1" destOrd="0" parTransId="{C9BAA796-0BEA-4615-AA5E-2BE19FDBE6A2}" sibTransId="{4A909D9C-235E-4B5F-9214-778AACB66D6F}"/>
     <dgm:cxn modelId="{A0201973-C65B-460F-B065-DF2D4F790025}" type="presOf" srcId="{7E829DBF-11EB-4D72-AD4A-9FFEFE4340A9}" destId="{4C771A66-447A-40E9-AFD2-909B3A45C9E6}" srcOrd="0" destOrd="0" presId="urn:microsoft.com/office/officeart/2005/8/layout/process4"/>
-    <dgm:cxn modelId="{B0BEBB14-4FA9-4D62-948B-0BA3F59D42C5}" srcId="{7E829DBF-11EB-4D72-AD4A-9FFEFE4340A9}" destId="{84380697-93A1-4717-937D-A583453B6A3A}" srcOrd="1" destOrd="0" parTransId="{C9BAA796-0BEA-4615-AA5E-2BE19FDBE6A2}" sibTransId="{4A909D9C-235E-4B5F-9214-778AACB66D6F}"/>
-    <dgm:cxn modelId="{F78B8920-9381-42BC-844A-E10AD8758C5E}" type="presOf" srcId="{84380697-93A1-4717-937D-A583453B6A3A}" destId="{1F7BECB4-76D7-4619-97E8-90E69CEEB64A}" srcOrd="0" destOrd="0" presId="urn:microsoft.com/office/officeart/2005/8/layout/process4"/>
-    <dgm:cxn modelId="{21E463F7-2988-4744-8BF5-100254C3ED9B}" type="presOf" srcId="{B5777570-94A7-4320-B723-D6A66C313179}" destId="{9CD6F3CA-B3FC-45CD-AFE8-83034A1E12CA}" srcOrd="0" destOrd="0" presId="urn:microsoft.com/office/officeart/2005/8/layout/process4"/>
     <dgm:cxn modelId="{CBB3B794-E977-477D-B580-1E6BE35CAD6F}" type="presOf" srcId="{53E479E8-975F-4705-83A5-4755CEAB668E}" destId="{15CB6101-9D66-43DB-9447-0F2A9C6FB0A0}" srcOrd="0" destOrd="0" presId="urn:microsoft.com/office/officeart/2005/8/layout/process4"/>
     <dgm:cxn modelId="{A5346EA6-C808-49B1-8BB9-F3B7363843DD}" type="presParOf" srcId="{190BD860-8DD3-474B-98D0-B37BA6B8475C}" destId="{A8C224A2-AA2C-4437-94AF-8BB1AD7BFE17}" srcOrd="0" destOrd="0" presId="urn:microsoft.com/office/officeart/2005/8/layout/process4"/>
     <dgm:cxn modelId="{DD0FE561-EA9C-4F30-B2A8-D7EF727F7328}" type="presParOf" srcId="{A8C224A2-AA2C-4437-94AF-8BB1AD7BFE17}" destId="{4C771A66-447A-40E9-AFD2-909B3A45C9E6}" srcOrd="0" destOrd="0" presId="urn:microsoft.com/office/officeart/2005/8/layout/process4"/>
@@ -2435,7 +2441,6 @@
             <a:rPr lang="en-US" sz="1900" kern="1200" dirty="0" smtClean="0"/>
             <a:t>Security Stamp</a:t>
           </a:r>
-          <a:endParaRPr lang="en-US" sz="1900" kern="1200" dirty="0" smtClean="0"/>
         </a:p>
       </dsp:txBody>
       <dsp:txXfrm>
@@ -2514,7 +2519,6 @@
             <a:rPr lang="en-US" sz="1900" kern="1200" dirty="0" smtClean="0"/>
             <a:t>Purpose</a:t>
           </a:r>
-          <a:endParaRPr lang="en-US" sz="1900" kern="1200" dirty="0" smtClean="0"/>
         </a:p>
       </dsp:txBody>
       <dsp:txXfrm>
@@ -2761,7 +2765,6 @@
             <a:rPr lang="en-US" sz="1200" kern="1200" dirty="0" smtClean="0"/>
             <a:t>b9a00ac2-78f2-4551-82ba-bb87d5dfff43</a:t>
           </a:r>
-          <a:endParaRPr lang="en-US" sz="1200" kern="1200" dirty="0" smtClean="0"/>
         </a:p>
       </dsp:txBody>
       <dsp:txXfrm>
@@ -2840,7 +2843,6 @@
             <a:rPr lang="en-US" sz="1200" kern="1200" dirty="0" smtClean="0"/>
             <a:t>Confirmation</a:t>
           </a:r>
-          <a:endParaRPr lang="en-US" sz="1200" kern="1200" dirty="0" smtClean="0"/>
         </a:p>
       </dsp:txBody>
       <dsp:txXfrm>
@@ -5708,7 +5710,7 @@
           <a:p>
             <a:fld id="{B5922E6D-3451-482A-A64F-C89F139BA51A}" type="datetimeFigureOut">
               <a:rPr lang="en-US" smtClean="0"/>
-              <a:t>11/21/2014</a:t>
+              <a:t>11/24/2014</a:t>
             </a:fld>
             <a:endParaRPr lang="en-US"/>
           </a:p>
@@ -5873,7 +5875,7 @@
           <a:p>
             <a:fld id="{05247E74-41DE-40FA-A7A7-A655366ADCFA}" type="datetimeFigureOut">
               <a:rPr lang="sv-SE" smtClean="0"/>
-              <a:t>2014-11-21</a:t>
+              <a:t>2014-11-24</a:t>
             </a:fld>
             <a:endParaRPr lang="sv-SE"/>
           </a:p>
@@ -6775,7 +6777,7 @@
           <a:p>
             <a:fld id="{DB41BBF1-8D56-4061-8DE2-461FDAC177EF}" type="datetimeFigureOut">
               <a:rPr lang="sv-SE" smtClean="0"/>
-              <a:t>2014-11-21</a:t>
+              <a:t>2014-11-24</a:t>
             </a:fld>
             <a:endParaRPr lang="sv-SE"/>
           </a:p>
@@ -7039,7 +7041,7 @@
           <a:p>
             <a:fld id="{DB41BBF1-8D56-4061-8DE2-461FDAC177EF}" type="datetimeFigureOut">
               <a:rPr lang="sv-SE" smtClean="0"/>
-              <a:t>2014-11-21</a:t>
+              <a:t>2014-11-24</a:t>
             </a:fld>
             <a:endParaRPr lang="sv-SE"/>
           </a:p>
@@ -7216,7 +7218,7 @@
           <a:p>
             <a:fld id="{DB41BBF1-8D56-4061-8DE2-461FDAC177EF}" type="datetimeFigureOut">
               <a:rPr lang="sv-SE" smtClean="0"/>
-              <a:t>2014-11-21</a:t>
+              <a:t>2014-11-24</a:t>
             </a:fld>
             <a:endParaRPr lang="sv-SE"/>
           </a:p>
@@ -7403,7 +7405,7 @@
           <a:p>
             <a:fld id="{DB41BBF1-8D56-4061-8DE2-461FDAC177EF}" type="datetimeFigureOut">
               <a:rPr lang="sv-SE" smtClean="0"/>
-              <a:t>2014-11-21</a:t>
+              <a:t>2014-11-24</a:t>
             </a:fld>
             <a:endParaRPr lang="sv-SE"/>
           </a:p>
@@ -7667,7 +7669,7 @@
           <a:p>
             <a:fld id="{DB41BBF1-8D56-4061-8DE2-461FDAC177EF}" type="datetimeFigureOut">
               <a:rPr lang="sv-SE" smtClean="0"/>
-              <a:t>2014-11-21</a:t>
+              <a:t>2014-11-24</a:t>
             </a:fld>
             <a:endParaRPr lang="sv-SE"/>
           </a:p>
@@ -7844,7 +7846,7 @@
           <a:p>
             <a:fld id="{DB41BBF1-8D56-4061-8DE2-461FDAC177EF}" type="datetimeFigureOut">
               <a:rPr lang="sv-SE" smtClean="0"/>
-              <a:t>2014-11-21</a:t>
+              <a:t>2014-11-24</a:t>
             </a:fld>
             <a:endParaRPr lang="sv-SE"/>
           </a:p>
@@ -8097,7 +8099,7 @@
           <a:p>
             <a:fld id="{DB41BBF1-8D56-4061-8DE2-461FDAC177EF}" type="datetimeFigureOut">
               <a:rPr lang="sv-SE" smtClean="0"/>
-              <a:t>2014-11-21</a:t>
+              <a:t>2014-11-24</a:t>
             </a:fld>
             <a:endParaRPr lang="sv-SE"/>
           </a:p>
@@ -8392,7 +8394,7 @@
           <a:p>
             <a:fld id="{DB41BBF1-8D56-4061-8DE2-461FDAC177EF}" type="datetimeFigureOut">
               <a:rPr lang="sv-SE" smtClean="0"/>
-              <a:t>2014-11-21</a:t>
+              <a:t>2014-11-24</a:t>
             </a:fld>
             <a:endParaRPr lang="sv-SE"/>
           </a:p>
@@ -8821,7 +8823,7 @@
           <a:p>
             <a:fld id="{DB41BBF1-8D56-4061-8DE2-461FDAC177EF}" type="datetimeFigureOut">
               <a:rPr lang="sv-SE" smtClean="0"/>
-              <a:t>2014-11-21</a:t>
+              <a:t>2014-11-24</a:t>
             </a:fld>
             <a:endParaRPr lang="sv-SE"/>
           </a:p>
@@ -8946,7 +8948,7 @@
           <a:p>
             <a:fld id="{DB41BBF1-8D56-4061-8DE2-461FDAC177EF}" type="datetimeFigureOut">
               <a:rPr lang="sv-SE" smtClean="0"/>
-              <a:t>2014-11-21</a:t>
+              <a:t>2014-11-24</a:t>
             </a:fld>
             <a:endParaRPr lang="sv-SE"/>
           </a:p>
@@ -9048,7 +9050,7 @@
           <a:p>
             <a:fld id="{DB41BBF1-8D56-4061-8DE2-461FDAC177EF}" type="datetimeFigureOut">
               <a:rPr lang="sv-SE" smtClean="0"/>
-              <a:t>2014-11-21</a:t>
+              <a:t>2014-11-24</a:t>
             </a:fld>
             <a:endParaRPr lang="sv-SE"/>
           </a:p>
@@ -9332,7 +9334,7 @@
           <a:p>
             <a:fld id="{DB41BBF1-8D56-4061-8DE2-461FDAC177EF}" type="datetimeFigureOut">
               <a:rPr lang="sv-SE" smtClean="0"/>
-              <a:t>2014-11-21</a:t>
+              <a:t>2014-11-24</a:t>
             </a:fld>
             <a:endParaRPr lang="sv-SE"/>
           </a:p>
@@ -9560,7 +9562,7 @@
           <a:p>
             <a:fld id="{DB41BBF1-8D56-4061-8DE2-461FDAC177EF}" type="datetimeFigureOut">
               <a:rPr lang="sv-SE" smtClean="0"/>
-              <a:t>2014-11-21</a:t>
+              <a:t>2014-11-24</a:t>
             </a:fld>
             <a:endParaRPr lang="sv-SE"/>
           </a:p>
@@ -10228,7 +10230,7 @@
           <a:p>
             <a:r>
               <a:rPr lang="en-US" sz="2000" dirty="0" smtClean="0"/>
-              <a:t>Used to invalidate existing sign in cookies if the value is changed</a:t>
+              <a:t>Invalidates existing cookies &amp; tokens if the value is changed</a:t>
             </a:r>
           </a:p>
           <a:p>
@@ -10261,6 +10263,2879 @@
     <p:extLst>
       <p:ext uri="{BB962C8B-B14F-4D97-AF65-F5344CB8AC3E}">
         <p14:creationId xmlns:p14="http://schemas.microsoft.com/office/powerpoint/2010/main" val="3176236053"/>
+      </p:ext>
+    </p:extLst>
+  </p:cSld>
+  <p:clrMapOvr>
+    <a:masterClrMapping/>
+  </p:clrMapOvr>
+  <p:timing>
+    <p:tnLst>
+      <p:par>
+        <p:cTn id="1" dur="indefinite" restart="never" nodeType="tmRoot"/>
+      </p:par>
+    </p:tnLst>
+  </p:timing>
+</p:sld>
+</file>
+
+<file path=ppt/slides/slide11.xml><?xml version="1.0" encoding="utf-8"?>
+<p:sld xmlns:a="http://schemas.openxmlformats.org/drawingml/2006/main" xmlns:r="http://schemas.openxmlformats.org/officeDocument/2006/relationships" xmlns:p="http://schemas.openxmlformats.org/presentationml/2006/main">
+  <p:cSld>
+    <p:spTree>
+      <p:nvGrpSpPr>
+        <p:cNvPr id="1" name=""/>
+        <p:cNvGrpSpPr/>
+        <p:nvPr/>
+      </p:nvGrpSpPr>
+      <p:grpSpPr>
+        <a:xfrm>
+          <a:off x="0" y="0"/>
+          <a:ext cx="0" cy="0"/>
+          <a:chOff x="0" y="0"/>
+          <a:chExt cx="0" cy="0"/>
+        </a:xfrm>
+      </p:grpSpPr>
+      <p:sp>
+        <p:nvSpPr>
+          <p:cNvPr id="3" name="Platshållare för innehåll 2"/>
+          <p:cNvSpPr>
+            <a:spLocks noGrp="1"/>
+          </p:cNvSpPr>
+          <p:nvPr>
+            <p:ph idx="1"/>
+          </p:nvPr>
+        </p:nvSpPr>
+        <p:spPr/>
+        <p:txBody>
+          <a:bodyPr/>
+          <a:lstStyle/>
+          <a:p>
+            <a:pPr marL="0" indent="0">
+              <a:buNone/>
+            </a:pPr>
+            <a:endParaRPr lang="en-US" dirty="0" smtClean="0"/>
+          </a:p>
+          <a:p>
+            <a:pPr marL="0" indent="0">
+              <a:buNone/>
+            </a:pPr>
+            <a:endParaRPr lang="en-US" dirty="0" smtClean="0"/>
+          </a:p>
+          <a:p>
+            <a:pPr marL="0" indent="0" algn="ctr">
+              <a:buNone/>
+            </a:pPr>
+            <a:r>
+              <a:rPr lang="en-US" sz="3200" dirty="0" smtClean="0">
+                <a:solidFill>
+                  <a:srgbClr val="77933C"/>
+                </a:solidFill>
+              </a:rPr>
+              <a:t>Security Token &amp; </a:t>
+            </a:r>
+            <a:br>
+              <a:rPr lang="en-US" sz="3200" dirty="0" smtClean="0">
+                <a:solidFill>
+                  <a:srgbClr val="77933C"/>
+                </a:solidFill>
+              </a:rPr>
+            </a:br>
+            <a:r>
+              <a:rPr lang="en-US" sz="3200" dirty="0" smtClean="0">
+                <a:solidFill>
+                  <a:srgbClr val="77933C"/>
+                </a:solidFill>
+              </a:rPr>
+              <a:t>Security Token Services</a:t>
+            </a:r>
+            <a:endParaRPr lang="en-US" sz="3200" dirty="0">
+              <a:solidFill>
+                <a:srgbClr val="77933C"/>
+              </a:solidFill>
+            </a:endParaRPr>
+          </a:p>
+        </p:txBody>
+      </p:sp>
+    </p:spTree>
+    <p:extLst>
+      <p:ext uri="{BB962C8B-B14F-4D97-AF65-F5344CB8AC3E}">
+        <p14:creationId xmlns:p14="http://schemas.microsoft.com/office/powerpoint/2010/main" val="3418542524"/>
+      </p:ext>
+    </p:extLst>
+  </p:cSld>
+  <p:clrMapOvr>
+    <a:masterClrMapping/>
+  </p:clrMapOvr>
+  <p:timing>
+    <p:tnLst>
+      <p:par>
+        <p:cTn id="1" dur="indefinite" restart="never" nodeType="tmRoot"/>
+      </p:par>
+    </p:tnLst>
+  </p:timing>
+</p:sld>
+</file>
+
+<file path=ppt/slides/slide12.xml><?xml version="1.0" encoding="utf-8"?>
+<p:sld xmlns:a="http://schemas.openxmlformats.org/drawingml/2006/main" xmlns:r="http://schemas.openxmlformats.org/officeDocument/2006/relationships" xmlns:p="http://schemas.openxmlformats.org/presentationml/2006/main">
+  <p:cSld>
+    <p:spTree>
+      <p:nvGrpSpPr>
+        <p:cNvPr id="1" name=""/>
+        <p:cNvGrpSpPr/>
+        <p:nvPr/>
+      </p:nvGrpSpPr>
+      <p:grpSpPr>
+        <a:xfrm>
+          <a:off x="0" y="0"/>
+          <a:ext cx="0" cy="0"/>
+          <a:chOff x="0" y="0"/>
+          <a:chExt cx="0" cy="0"/>
+        </a:xfrm>
+      </p:grpSpPr>
+      <p:sp>
+        <p:nvSpPr>
+          <p:cNvPr id="2" name="Rubrik 1"/>
+          <p:cNvSpPr>
+            <a:spLocks noGrp="1"/>
+          </p:cNvSpPr>
+          <p:nvPr>
+            <p:ph type="title"/>
+          </p:nvPr>
+        </p:nvSpPr>
+        <p:spPr/>
+        <p:txBody>
+          <a:bodyPr/>
+          <a:lstStyle/>
+          <a:p>
+            <a:r>
+              <a:rPr lang="en-US" dirty="0"/>
+              <a:t>ASP.NET Identity – Security Features</a:t>
+            </a:r>
+            <a:endParaRPr lang="en-US" dirty="0"/>
+          </a:p>
+        </p:txBody>
+      </p:sp>
+      <p:sp>
+        <p:nvSpPr>
+          <p:cNvPr id="3" name="Platshållare för innehåll 2"/>
+          <p:cNvSpPr>
+            <a:spLocks noGrp="1"/>
+          </p:cNvSpPr>
+          <p:nvPr>
+            <p:ph idx="1"/>
+          </p:nvPr>
+        </p:nvSpPr>
+        <p:spPr>
+          <a:xfrm>
+            <a:off x="323528" y="980728"/>
+            <a:ext cx="8229600" cy="4525963"/>
+          </a:xfrm>
+        </p:spPr>
+        <p:txBody>
+          <a:bodyPr>
+            <a:normAutofit/>
+          </a:bodyPr>
+          <a:lstStyle/>
+          <a:p>
+            <a:pPr marL="0" indent="0">
+              <a:buNone/>
+            </a:pPr>
+            <a:r>
+              <a:rPr lang="en-US" b="1" dirty="0" smtClean="0">
+                <a:solidFill>
+                  <a:srgbClr val="77933C"/>
+                </a:solidFill>
+              </a:rPr>
+              <a:t>What is a Security Token?</a:t>
+            </a:r>
+          </a:p>
+          <a:p>
+            <a:pPr marL="0" indent="0">
+              <a:buNone/>
+            </a:pPr>
+            <a:endParaRPr lang="en-US" dirty="0" smtClean="0"/>
+          </a:p>
+          <a:p>
+            <a:pPr marL="0" indent="0">
+              <a:buNone/>
+            </a:pPr>
+            <a:r>
+              <a:rPr lang="en-US" dirty="0" smtClean="0"/>
+              <a:t>A Security token is a token which is used to authenticate users.</a:t>
+            </a:r>
+          </a:p>
+          <a:p>
+            <a:pPr marL="0" indent="0">
+              <a:buNone/>
+            </a:pPr>
+            <a:endParaRPr lang="en-US" dirty="0" smtClean="0"/>
+          </a:p>
+          <a:p>
+            <a:pPr marL="0" indent="0">
+              <a:buNone/>
+            </a:pPr>
+            <a:r>
+              <a:rPr lang="en-US" dirty="0" smtClean="0"/>
+              <a:t>The security token contains an </a:t>
+            </a:r>
+            <a:r>
+              <a:rPr lang="en-US" b="1" dirty="0" smtClean="0">
+                <a:solidFill>
+                  <a:srgbClr val="77933C"/>
+                </a:solidFill>
+              </a:rPr>
+              <a:t>ID</a:t>
+            </a:r>
+            <a:r>
+              <a:rPr lang="en-US" dirty="0" smtClean="0"/>
+              <a:t>,</a:t>
+            </a:r>
+            <a:r>
+              <a:rPr lang="en-US" b="1" dirty="0" smtClean="0">
+                <a:solidFill>
+                  <a:srgbClr val="77933C"/>
+                </a:solidFill>
+              </a:rPr>
+              <a:t> </a:t>
+            </a:r>
+            <a:r>
+              <a:rPr lang="en-US" b="1" dirty="0" smtClean="0">
+                <a:solidFill>
+                  <a:srgbClr val="77933C"/>
+                </a:solidFill>
+              </a:rPr>
+              <a:t>security key </a:t>
+            </a:r>
+            <a:r>
+              <a:rPr lang="en-US" dirty="0" smtClean="0"/>
+              <a:t>as well as the time from which it is valid &amp; for how long.</a:t>
+            </a:r>
+            <a:r>
+              <a:rPr lang="en-US" sz="2400" dirty="0" smtClean="0"/>
+              <a:t/>
+            </a:r>
+            <a:br>
+              <a:rPr lang="en-US" sz="2400" dirty="0" smtClean="0"/>
+            </a:br>
+            <a:r>
+              <a:rPr lang="en-US" sz="2400" dirty="0" smtClean="0"/>
+              <a:t/>
+            </a:r>
+            <a:br>
+              <a:rPr lang="en-US" sz="2400" dirty="0" smtClean="0"/>
+            </a:br>
+            <a:endParaRPr lang="en-US" sz="2400" dirty="0" smtClean="0"/>
+          </a:p>
+        </p:txBody>
+      </p:sp>
+      <p:graphicFrame>
+        <p:nvGraphicFramePr>
+          <p:cNvPr id="5" name="Tabell 4"/>
+          <p:cNvGraphicFramePr>
+            <a:graphicFrameLocks noGrp="1"/>
+          </p:cNvGraphicFramePr>
+          <p:nvPr>
+            <p:extLst/>
+          </p:nvPr>
+        </p:nvGraphicFramePr>
+        <p:xfrm>
+          <a:off x="443880" y="4561146"/>
+          <a:ext cx="6864424" cy="1964198"/>
+        </p:xfrm>
+        <a:graphic>
+          <a:graphicData uri="http://schemas.openxmlformats.org/drawingml/2006/table">
+            <a:tbl>
+              <a:tblPr firstRow="1" bandRow="1">
+                <a:tableStyleId>{5C22544A-7EE6-4342-B048-85BDC9FD1C3A}</a:tableStyleId>
+              </a:tblPr>
+              <a:tblGrid>
+                <a:gridCol w="2787040"/>
+                <a:gridCol w="4077384"/>
+              </a:tblGrid>
+              <a:tr h="380022">
+                <a:tc>
+                  <a:txBody>
+                    <a:bodyPr/>
+                    <a:lstStyle/>
+                    <a:p>
+                      <a:r>
+                        <a:rPr lang="en-US" dirty="0" smtClean="0"/>
+                        <a:t>Type</a:t>
+                      </a:r>
+                      <a:endParaRPr lang="en-US" dirty="0"/>
+                    </a:p>
+                  </a:txBody>
+                  <a:tcPr/>
+                </a:tc>
+                <a:tc>
+                  <a:txBody>
+                    <a:bodyPr/>
+                    <a:lstStyle/>
+                    <a:p>
+                      <a:r>
+                        <a:rPr lang="en-US" dirty="0" smtClean="0"/>
+                        <a:t>Description</a:t>
+                      </a:r>
+                      <a:endParaRPr lang="en-US" dirty="0"/>
+                    </a:p>
+                  </a:txBody>
+                  <a:tcPr/>
+                </a:tc>
+              </a:tr>
+              <a:tr h="380022">
+                <a:tc>
+                  <a:txBody>
+                    <a:bodyPr/>
+                    <a:lstStyle/>
+                    <a:p>
+                      <a:r>
+                        <a:rPr lang="en-US" dirty="0" smtClean="0"/>
+                        <a:t>ID</a:t>
+                      </a:r>
+                      <a:endParaRPr lang="en-US" dirty="0"/>
+                    </a:p>
+                  </a:txBody>
+                  <a:tcPr/>
+                </a:tc>
+                <a:tc>
+                  <a:txBody>
+                    <a:bodyPr/>
+                    <a:lstStyle/>
+                    <a:p>
+                      <a:r>
+                        <a:rPr lang="en-US" dirty="0" smtClean="0"/>
+                        <a:t>Unique identifier</a:t>
+                      </a:r>
+                      <a:endParaRPr lang="en-US" dirty="0"/>
+                    </a:p>
+                  </a:txBody>
+                  <a:tcPr/>
+                </a:tc>
+              </a:tr>
+              <a:tr h="380022">
+                <a:tc>
+                  <a:txBody>
+                    <a:bodyPr/>
+                    <a:lstStyle/>
+                    <a:p>
+                      <a:r>
+                        <a:rPr lang="en-US" dirty="0" smtClean="0"/>
+                        <a:t>Security key</a:t>
+                      </a:r>
+                      <a:endParaRPr lang="en-US" dirty="0"/>
+                    </a:p>
+                  </a:txBody>
+                  <a:tcPr/>
+                </a:tc>
+                <a:tc>
+                  <a:txBody>
+                    <a:bodyPr/>
+                    <a:lstStyle/>
+                    <a:p>
+                      <a:r>
+                        <a:rPr lang="en-US" dirty="0" smtClean="0"/>
+                        <a:t>Cryptographic key</a:t>
+                      </a:r>
+                      <a:endParaRPr lang="en-US" dirty="0"/>
+                    </a:p>
+                  </a:txBody>
+                  <a:tcPr/>
+                </a:tc>
+              </a:tr>
+              <a:tr h="444110">
+                <a:tc>
+                  <a:txBody>
+                    <a:bodyPr/>
+                    <a:lstStyle/>
+                    <a:p>
+                      <a:r>
+                        <a:rPr lang="en-US" dirty="0" smtClean="0"/>
+                        <a:t>ValidFrom </a:t>
+                      </a:r>
+                      <a:endParaRPr lang="en-US" dirty="0"/>
+                    </a:p>
+                  </a:txBody>
+                  <a:tcPr/>
+                </a:tc>
+                <a:tc>
+                  <a:txBody>
+                    <a:bodyPr/>
+                    <a:lstStyle/>
+                    <a:p>
+                      <a:r>
+                        <a:rPr lang="en-US" dirty="0" smtClean="0"/>
+                        <a:t>Time at which the</a:t>
+                      </a:r>
+                      <a:r>
+                        <a:rPr lang="en-US" baseline="0" dirty="0" smtClean="0"/>
+                        <a:t> token is valid from</a:t>
+                      </a:r>
+                    </a:p>
+                  </a:txBody>
+                  <a:tcPr/>
+                </a:tc>
+              </a:tr>
+              <a:tr h="380022">
+                <a:tc>
+                  <a:txBody>
+                    <a:bodyPr/>
+                    <a:lstStyle/>
+                    <a:p>
+                      <a:r>
+                        <a:rPr lang="en-US" dirty="0" smtClean="0"/>
+                        <a:t>ValidTo </a:t>
+                      </a:r>
+                      <a:endParaRPr lang="en-US" dirty="0"/>
+                    </a:p>
+                  </a:txBody>
+                  <a:tcPr/>
+                </a:tc>
+                <a:tc>
+                  <a:txBody>
+                    <a:bodyPr/>
+                    <a:lstStyle/>
+                    <a:p>
+                      <a:r>
+                        <a:rPr lang="en-US" dirty="0" smtClean="0"/>
+                        <a:t>Time at which the token is valid to</a:t>
+                      </a:r>
+                      <a:endParaRPr lang="en-US" dirty="0"/>
+                    </a:p>
+                  </a:txBody>
+                  <a:tcPr/>
+                </a:tc>
+              </a:tr>
+            </a:tbl>
+          </a:graphicData>
+        </a:graphic>
+      </p:graphicFrame>
+    </p:spTree>
+    <p:extLst>
+      <p:ext uri="{BB962C8B-B14F-4D97-AF65-F5344CB8AC3E}">
+        <p14:creationId xmlns:p14="http://schemas.microsoft.com/office/powerpoint/2010/main" val="434011601"/>
+      </p:ext>
+    </p:extLst>
+  </p:cSld>
+  <p:clrMapOvr>
+    <a:masterClrMapping/>
+  </p:clrMapOvr>
+  <p:timing>
+    <p:tnLst>
+      <p:par>
+        <p:cTn id="1" dur="indefinite" restart="never" nodeType="tmRoot"/>
+      </p:par>
+    </p:tnLst>
+  </p:timing>
+</p:sld>
+</file>
+
+<file path=ppt/slides/slide13.xml><?xml version="1.0" encoding="utf-8"?>
+<p:sld xmlns:a="http://schemas.openxmlformats.org/drawingml/2006/main" xmlns:r="http://schemas.openxmlformats.org/officeDocument/2006/relationships" xmlns:p="http://schemas.openxmlformats.org/presentationml/2006/main">
+  <p:cSld>
+    <p:spTree>
+      <p:nvGrpSpPr>
+        <p:cNvPr id="1" name=""/>
+        <p:cNvGrpSpPr/>
+        <p:nvPr/>
+      </p:nvGrpSpPr>
+      <p:grpSpPr>
+        <a:xfrm>
+          <a:off x="0" y="0"/>
+          <a:ext cx="0" cy="0"/>
+          <a:chOff x="0" y="0"/>
+          <a:chExt cx="0" cy="0"/>
+        </a:xfrm>
+      </p:grpSpPr>
+      <p:sp>
+        <p:nvSpPr>
+          <p:cNvPr id="2" name="Rubrik 1"/>
+          <p:cNvSpPr>
+            <a:spLocks noGrp="1"/>
+          </p:cNvSpPr>
+          <p:nvPr>
+            <p:ph type="title"/>
+          </p:nvPr>
+        </p:nvSpPr>
+        <p:spPr/>
+        <p:txBody>
+          <a:bodyPr/>
+          <a:lstStyle/>
+          <a:p>
+            <a:r>
+              <a:rPr lang="en-US" dirty="0"/>
+              <a:t>ASP.NET Identity – Security Features</a:t>
+            </a:r>
+            <a:endParaRPr lang="en-US" dirty="0"/>
+          </a:p>
+        </p:txBody>
+      </p:sp>
+      <p:sp>
+        <p:nvSpPr>
+          <p:cNvPr id="3" name="Platshållare för innehåll 2"/>
+          <p:cNvSpPr>
+            <a:spLocks noGrp="1"/>
+          </p:cNvSpPr>
+          <p:nvPr>
+            <p:ph idx="1"/>
+          </p:nvPr>
+        </p:nvSpPr>
+        <p:spPr/>
+        <p:txBody>
+          <a:bodyPr>
+            <a:normAutofit/>
+          </a:bodyPr>
+          <a:lstStyle/>
+          <a:p>
+            <a:pPr marL="0" indent="0">
+              <a:buNone/>
+            </a:pPr>
+            <a:r>
+              <a:rPr lang="en-US" b="1" dirty="0" smtClean="0">
+                <a:solidFill>
+                  <a:srgbClr val="77933C"/>
+                </a:solidFill>
+              </a:rPr>
+              <a:t>What is a STS (Security Token Service)?</a:t>
+            </a:r>
+          </a:p>
+          <a:p>
+            <a:endParaRPr lang="en-US" dirty="0" smtClean="0"/>
+          </a:p>
+          <a:p>
+            <a:r>
+              <a:rPr lang="en-US" dirty="0" smtClean="0"/>
+              <a:t>A </a:t>
+            </a:r>
+            <a:r>
+              <a:rPr lang="en-US" dirty="0" smtClean="0"/>
+              <a:t>STS is a service which provides users with security </a:t>
+            </a:r>
+            <a:r>
+              <a:rPr lang="en-US" dirty="0" smtClean="0"/>
+              <a:t>tokens</a:t>
+            </a:r>
+            <a:endParaRPr lang="en-US" dirty="0"/>
+          </a:p>
+          <a:p>
+            <a:r>
+              <a:rPr lang="en-US" dirty="0" smtClean="0"/>
+              <a:t>This token is then used to authenticate the user on the </a:t>
+            </a:r>
+            <a:r>
+              <a:rPr lang="en-US" dirty="0" smtClean="0"/>
+              <a:t>web-application</a:t>
+            </a:r>
+            <a:endParaRPr lang="en-US" dirty="0" smtClean="0"/>
+          </a:p>
+        </p:txBody>
+      </p:sp>
+    </p:spTree>
+    <p:extLst>
+      <p:ext uri="{BB962C8B-B14F-4D97-AF65-F5344CB8AC3E}">
+        <p14:creationId xmlns:p14="http://schemas.microsoft.com/office/powerpoint/2010/main" val="328656350"/>
+      </p:ext>
+    </p:extLst>
+  </p:cSld>
+  <p:clrMapOvr>
+    <a:masterClrMapping/>
+  </p:clrMapOvr>
+  <p:timing>
+    <p:tnLst>
+      <p:par>
+        <p:cTn id="1" dur="indefinite" restart="never" nodeType="tmRoot"/>
+      </p:par>
+    </p:tnLst>
+  </p:timing>
+</p:sld>
+</file>
+
+<file path=ppt/slides/slide14.xml><?xml version="1.0" encoding="utf-8"?>
+<p:sld xmlns:a="http://schemas.openxmlformats.org/drawingml/2006/main" xmlns:r="http://schemas.openxmlformats.org/officeDocument/2006/relationships" xmlns:p="http://schemas.openxmlformats.org/presentationml/2006/main">
+  <p:cSld>
+    <p:spTree>
+      <p:nvGrpSpPr>
+        <p:cNvPr id="1" name=""/>
+        <p:cNvGrpSpPr/>
+        <p:nvPr/>
+      </p:nvGrpSpPr>
+      <p:grpSpPr>
+        <a:xfrm>
+          <a:off x="0" y="0"/>
+          <a:ext cx="0" cy="0"/>
+          <a:chOff x="0" y="0"/>
+          <a:chExt cx="0" cy="0"/>
+        </a:xfrm>
+      </p:grpSpPr>
+      <p:sp>
+        <p:nvSpPr>
+          <p:cNvPr id="2" name="Rubrik 1"/>
+          <p:cNvSpPr>
+            <a:spLocks noGrp="1"/>
+          </p:cNvSpPr>
+          <p:nvPr>
+            <p:ph type="title"/>
+          </p:nvPr>
+        </p:nvSpPr>
+        <p:spPr/>
+        <p:txBody>
+          <a:bodyPr/>
+          <a:lstStyle/>
+          <a:p>
+            <a:r>
+              <a:rPr lang="en-US" dirty="0"/>
+              <a:t>ASP.NET Identity – Security Features</a:t>
+            </a:r>
+            <a:endParaRPr lang="en-US" dirty="0"/>
+          </a:p>
+        </p:txBody>
+      </p:sp>
+      <p:sp>
+        <p:nvSpPr>
+          <p:cNvPr id="3" name="Platshållare för innehåll 2"/>
+          <p:cNvSpPr>
+            <a:spLocks noGrp="1"/>
+          </p:cNvSpPr>
+          <p:nvPr>
+            <p:ph idx="1"/>
+          </p:nvPr>
+        </p:nvSpPr>
+        <p:spPr/>
+        <p:txBody>
+          <a:bodyPr/>
+          <a:lstStyle/>
+          <a:p>
+            <a:pPr marL="0" indent="0">
+              <a:buNone/>
+            </a:pPr>
+            <a:r>
+              <a:rPr lang="en-US" dirty="0"/>
+              <a:t>A good example of where </a:t>
+            </a:r>
+            <a:r>
+              <a:rPr lang="en-US" dirty="0" smtClean="0"/>
+              <a:t>a STS is </a:t>
+            </a:r>
+            <a:r>
+              <a:rPr lang="en-US" dirty="0"/>
+              <a:t>used is when you try to login to your online bank. </a:t>
+            </a:r>
+            <a:endParaRPr lang="en-US" dirty="0" smtClean="0"/>
+          </a:p>
+          <a:p>
+            <a:pPr marL="0" indent="0">
+              <a:buNone/>
+            </a:pPr>
+            <a:endParaRPr lang="en-US" dirty="0" smtClean="0"/>
+          </a:p>
+          <a:p>
+            <a:pPr marL="0" indent="0">
+              <a:buNone/>
+            </a:pPr>
+            <a:r>
+              <a:rPr lang="en-US" dirty="0" smtClean="0"/>
+              <a:t>The </a:t>
+            </a:r>
+            <a:r>
+              <a:rPr lang="en-US" dirty="0"/>
+              <a:t>bank requests a code (a security token) from you, which you get by entering your credentials to your </a:t>
+            </a:r>
+            <a:r>
+              <a:rPr lang="en-US" dirty="0" smtClean="0"/>
+              <a:t>authentication device </a:t>
+            </a:r>
+            <a:r>
+              <a:rPr lang="en-US" dirty="0"/>
+              <a:t>(STS) which will return a code </a:t>
+            </a:r>
+            <a:r>
+              <a:rPr lang="en-US" dirty="0" smtClean="0"/>
+              <a:t>(a security </a:t>
+            </a:r>
+            <a:r>
+              <a:rPr lang="en-US" dirty="0"/>
+              <a:t>token). </a:t>
+            </a:r>
+            <a:endParaRPr lang="en-US" dirty="0" smtClean="0"/>
+          </a:p>
+          <a:p>
+            <a:pPr marL="0" indent="0">
+              <a:buNone/>
+            </a:pPr>
+            <a:endParaRPr lang="en-US" dirty="0"/>
+          </a:p>
+          <a:p>
+            <a:pPr marL="0" indent="0">
+              <a:buNone/>
+            </a:pPr>
+            <a:r>
+              <a:rPr lang="en-US" dirty="0" smtClean="0"/>
+              <a:t>You </a:t>
+            </a:r>
+            <a:r>
+              <a:rPr lang="en-US" dirty="0"/>
+              <a:t>would then proceed to use this code to login.</a:t>
+            </a:r>
+          </a:p>
+          <a:p>
+            <a:pPr marL="0" indent="0">
+              <a:buNone/>
+            </a:pPr>
+            <a:endParaRPr lang="en-US" dirty="0"/>
+          </a:p>
+        </p:txBody>
+      </p:sp>
+    </p:spTree>
+    <p:extLst>
+      <p:ext uri="{BB962C8B-B14F-4D97-AF65-F5344CB8AC3E}">
+        <p14:creationId xmlns:p14="http://schemas.microsoft.com/office/powerpoint/2010/main" val="970817947"/>
+      </p:ext>
+    </p:extLst>
+  </p:cSld>
+  <p:clrMapOvr>
+    <a:masterClrMapping/>
+  </p:clrMapOvr>
+  <p:timing>
+    <p:tnLst>
+      <p:par>
+        <p:cTn id="1" dur="indefinite" restart="never" nodeType="tmRoot"/>
+      </p:par>
+    </p:tnLst>
+  </p:timing>
+</p:sld>
+</file>
+
+<file path=ppt/slides/slide15.xml><?xml version="1.0" encoding="utf-8"?>
+<p:sld xmlns:a="http://schemas.openxmlformats.org/drawingml/2006/main" xmlns:r="http://schemas.openxmlformats.org/officeDocument/2006/relationships" xmlns:p="http://schemas.openxmlformats.org/presentationml/2006/main">
+  <p:cSld>
+    <p:spTree>
+      <p:nvGrpSpPr>
+        <p:cNvPr id="1" name=""/>
+        <p:cNvGrpSpPr/>
+        <p:nvPr/>
+      </p:nvGrpSpPr>
+      <p:grpSpPr>
+        <a:xfrm>
+          <a:off x="0" y="0"/>
+          <a:ext cx="0" cy="0"/>
+          <a:chOff x="0" y="0"/>
+          <a:chExt cx="0" cy="0"/>
+        </a:xfrm>
+      </p:grpSpPr>
+      <p:sp>
+        <p:nvSpPr>
+          <p:cNvPr id="2" name="Rubrik 1"/>
+          <p:cNvSpPr>
+            <a:spLocks noGrp="1"/>
+          </p:cNvSpPr>
+          <p:nvPr>
+            <p:ph type="title"/>
+          </p:nvPr>
+        </p:nvSpPr>
+        <p:spPr/>
+        <p:txBody>
+          <a:bodyPr/>
+          <a:lstStyle/>
+          <a:p>
+            <a:r>
+              <a:rPr lang="en-US" dirty="0"/>
+              <a:t>ASP.NET Identity – Security Features</a:t>
+            </a:r>
+            <a:endParaRPr lang="en-US" dirty="0"/>
+          </a:p>
+        </p:txBody>
+      </p:sp>
+      <p:sp>
+        <p:nvSpPr>
+          <p:cNvPr id="3" name="Platshållare för innehåll 2"/>
+          <p:cNvSpPr>
+            <a:spLocks noGrp="1"/>
+          </p:cNvSpPr>
+          <p:nvPr>
+            <p:ph idx="1"/>
+          </p:nvPr>
+        </p:nvSpPr>
+        <p:spPr>
+          <a:xfrm>
+            <a:off x="611560" y="836712"/>
+            <a:ext cx="8075240" cy="5289451"/>
+          </a:xfrm>
+        </p:spPr>
+        <p:txBody>
+          <a:bodyPr/>
+          <a:lstStyle/>
+          <a:p>
+            <a:pPr marL="0" indent="0" algn="ctr">
+              <a:buNone/>
+            </a:pPr>
+            <a:r>
+              <a:rPr lang="en-US" dirty="0" smtClean="0"/>
+              <a:t>STS Flow illustration</a:t>
+            </a:r>
+            <a:br>
+              <a:rPr lang="en-US" dirty="0" smtClean="0"/>
+            </a:br>
+            <a:endParaRPr lang="en-US" dirty="0" smtClean="0"/>
+          </a:p>
+          <a:p>
+            <a:pPr marL="0" indent="0">
+              <a:buNone/>
+            </a:pPr>
+            <a:r>
+              <a:rPr lang="en-US" dirty="0" smtClean="0"/>
+              <a:t>When the user tries to login to the web application, the application requests a security token.</a:t>
+            </a:r>
+            <a:endParaRPr lang="en-US" dirty="0"/>
+          </a:p>
+        </p:txBody>
+      </p:sp>
+      <p:sp>
+        <p:nvSpPr>
+          <p:cNvPr id="5" name="Rektangel 4"/>
+          <p:cNvSpPr/>
+          <p:nvPr/>
+        </p:nvSpPr>
+        <p:spPr>
+          <a:xfrm>
+            <a:off x="827584" y="5013176"/>
+            <a:ext cx="2232248" cy="936104"/>
+          </a:xfrm>
+          <a:prstGeom prst="rect">
+            <a:avLst/>
+          </a:prstGeom>
+        </p:spPr>
+        <p:style>
+          <a:lnRef idx="2">
+            <a:schemeClr val="accent1">
+              <a:shade val="50000"/>
+            </a:schemeClr>
+          </a:lnRef>
+          <a:fillRef idx="1">
+            <a:schemeClr val="accent1"/>
+          </a:fillRef>
+          <a:effectRef idx="0">
+            <a:schemeClr val="accent1"/>
+          </a:effectRef>
+          <a:fontRef idx="minor">
+            <a:schemeClr val="lt1"/>
+          </a:fontRef>
+        </p:style>
+        <p:txBody>
+          <a:bodyPr rtlCol="0" anchor="ctr"/>
+          <a:lstStyle/>
+          <a:p>
+            <a:pPr algn="ctr"/>
+            <a:r>
+              <a:rPr lang="en-US" dirty="0" smtClean="0"/>
+              <a:t>User</a:t>
+            </a:r>
+            <a:endParaRPr lang="en-US" dirty="0"/>
+          </a:p>
+        </p:txBody>
+      </p:sp>
+      <p:sp>
+        <p:nvSpPr>
+          <p:cNvPr id="6" name="Rektangel 5"/>
+          <p:cNvSpPr/>
+          <p:nvPr/>
+        </p:nvSpPr>
+        <p:spPr>
+          <a:xfrm>
+            <a:off x="5977317" y="3395129"/>
+            <a:ext cx="2232248" cy="936104"/>
+          </a:xfrm>
+          <a:prstGeom prst="rect">
+            <a:avLst/>
+          </a:prstGeom>
+        </p:spPr>
+        <p:style>
+          <a:lnRef idx="2">
+            <a:schemeClr val="accent1">
+              <a:shade val="50000"/>
+            </a:schemeClr>
+          </a:lnRef>
+          <a:fillRef idx="1">
+            <a:schemeClr val="accent1"/>
+          </a:fillRef>
+          <a:effectRef idx="0">
+            <a:schemeClr val="accent1"/>
+          </a:effectRef>
+          <a:fontRef idx="minor">
+            <a:schemeClr val="lt1"/>
+          </a:fontRef>
+        </p:style>
+        <p:txBody>
+          <a:bodyPr rtlCol="0" anchor="ctr"/>
+          <a:lstStyle/>
+          <a:p>
+            <a:pPr algn="ctr"/>
+            <a:r>
+              <a:rPr lang="en-US" dirty="0" smtClean="0"/>
+              <a:t>Web Application</a:t>
+            </a:r>
+          </a:p>
+        </p:txBody>
+      </p:sp>
+      <p:sp>
+        <p:nvSpPr>
+          <p:cNvPr id="7" name="Rektangel 6"/>
+          <p:cNvSpPr/>
+          <p:nvPr/>
+        </p:nvSpPr>
+        <p:spPr>
+          <a:xfrm>
+            <a:off x="6012160" y="5013176"/>
+            <a:ext cx="2232248" cy="936104"/>
+          </a:xfrm>
+          <a:prstGeom prst="rect">
+            <a:avLst/>
+          </a:prstGeom>
+        </p:spPr>
+        <p:style>
+          <a:lnRef idx="2">
+            <a:schemeClr val="accent1">
+              <a:shade val="50000"/>
+            </a:schemeClr>
+          </a:lnRef>
+          <a:fillRef idx="1">
+            <a:schemeClr val="accent1"/>
+          </a:fillRef>
+          <a:effectRef idx="0">
+            <a:schemeClr val="accent1"/>
+          </a:effectRef>
+          <a:fontRef idx="minor">
+            <a:schemeClr val="lt1"/>
+          </a:fontRef>
+        </p:style>
+        <p:txBody>
+          <a:bodyPr rtlCol="0" anchor="ctr"/>
+          <a:lstStyle/>
+          <a:p>
+            <a:pPr algn="ctr"/>
+            <a:r>
+              <a:rPr lang="en-US" dirty="0" smtClean="0"/>
+              <a:t>Secure Token Service</a:t>
+            </a:r>
+            <a:endParaRPr lang="en-US" dirty="0"/>
+          </a:p>
+        </p:txBody>
+      </p:sp>
+      <p:cxnSp>
+        <p:nvCxnSpPr>
+          <p:cNvPr id="10" name="Vinklad  9"/>
+          <p:cNvCxnSpPr/>
+          <p:nvPr/>
+        </p:nvCxnSpPr>
+        <p:spPr>
+          <a:xfrm rot="10800000" flipV="1">
+            <a:off x="1763688" y="3437287"/>
+            <a:ext cx="4104456" cy="1431872"/>
+          </a:xfrm>
+          <a:prstGeom prst="bentConnector3">
+            <a:avLst>
+              <a:gd name="adj1" fmla="val 100035"/>
+            </a:avLst>
+          </a:prstGeom>
+          <a:ln>
+            <a:tailEnd type="triangle"/>
+          </a:ln>
+        </p:spPr>
+        <p:style>
+          <a:lnRef idx="1">
+            <a:schemeClr val="accent1"/>
+          </a:lnRef>
+          <a:fillRef idx="0">
+            <a:schemeClr val="accent1"/>
+          </a:fillRef>
+          <a:effectRef idx="0">
+            <a:schemeClr val="accent1"/>
+          </a:effectRef>
+          <a:fontRef idx="minor">
+            <a:schemeClr val="tx1"/>
+          </a:fontRef>
+        </p:style>
+      </p:cxnSp>
+      <p:sp>
+        <p:nvSpPr>
+          <p:cNvPr id="11" name="textruta 10"/>
+          <p:cNvSpPr txBox="1"/>
+          <p:nvPr/>
+        </p:nvSpPr>
+        <p:spPr>
+          <a:xfrm>
+            <a:off x="3302314" y="3025797"/>
+            <a:ext cx="2617127" cy="369332"/>
+          </a:xfrm>
+          <a:prstGeom prst="rect">
+            <a:avLst/>
+          </a:prstGeom>
+          <a:noFill/>
+        </p:spPr>
+        <p:txBody>
+          <a:bodyPr wrap="none" rtlCol="0">
+            <a:spAutoFit/>
+          </a:bodyPr>
+          <a:lstStyle/>
+          <a:p>
+            <a:r>
+              <a:rPr lang="en-US" dirty="0" smtClean="0"/>
+              <a:t>1 Requests Security Token</a:t>
+            </a:r>
+            <a:endParaRPr lang="en-US" dirty="0"/>
+          </a:p>
+        </p:txBody>
+      </p:sp>
+    </p:spTree>
+    <p:extLst>
+      <p:ext uri="{BB962C8B-B14F-4D97-AF65-F5344CB8AC3E}">
+        <p14:creationId xmlns:p14="http://schemas.microsoft.com/office/powerpoint/2010/main" val="2212488117"/>
+      </p:ext>
+    </p:extLst>
+  </p:cSld>
+  <p:clrMapOvr>
+    <a:masterClrMapping/>
+  </p:clrMapOvr>
+  <p:timing>
+    <p:tnLst>
+      <p:par>
+        <p:cTn id="1" dur="indefinite" restart="never" nodeType="tmRoot"/>
+      </p:par>
+    </p:tnLst>
+  </p:timing>
+</p:sld>
+</file>
+
+<file path=ppt/slides/slide16.xml><?xml version="1.0" encoding="utf-8"?>
+<p:sld xmlns:a="http://schemas.openxmlformats.org/drawingml/2006/main" xmlns:r="http://schemas.openxmlformats.org/officeDocument/2006/relationships" xmlns:p="http://schemas.openxmlformats.org/presentationml/2006/main">
+  <p:cSld>
+    <p:spTree>
+      <p:nvGrpSpPr>
+        <p:cNvPr id="1" name=""/>
+        <p:cNvGrpSpPr/>
+        <p:nvPr/>
+      </p:nvGrpSpPr>
+      <p:grpSpPr>
+        <a:xfrm>
+          <a:off x="0" y="0"/>
+          <a:ext cx="0" cy="0"/>
+          <a:chOff x="0" y="0"/>
+          <a:chExt cx="0" cy="0"/>
+        </a:xfrm>
+      </p:grpSpPr>
+      <p:sp>
+        <p:nvSpPr>
+          <p:cNvPr id="2" name="Rubrik 1"/>
+          <p:cNvSpPr>
+            <a:spLocks noGrp="1"/>
+          </p:cNvSpPr>
+          <p:nvPr>
+            <p:ph type="title"/>
+          </p:nvPr>
+        </p:nvSpPr>
+        <p:spPr/>
+        <p:txBody>
+          <a:bodyPr/>
+          <a:lstStyle/>
+          <a:p>
+            <a:r>
+              <a:rPr lang="en-US" dirty="0"/>
+              <a:t>ASP.NET Identity – Security Features</a:t>
+            </a:r>
+            <a:endParaRPr lang="en-US" dirty="0"/>
+          </a:p>
+        </p:txBody>
+      </p:sp>
+      <p:sp>
+        <p:nvSpPr>
+          <p:cNvPr id="3" name="Platshållare för innehåll 2"/>
+          <p:cNvSpPr>
+            <a:spLocks noGrp="1"/>
+          </p:cNvSpPr>
+          <p:nvPr>
+            <p:ph idx="1"/>
+          </p:nvPr>
+        </p:nvSpPr>
+        <p:spPr>
+          <a:xfrm>
+            <a:off x="611560" y="836712"/>
+            <a:ext cx="8075240" cy="5289451"/>
+          </a:xfrm>
+        </p:spPr>
+        <p:txBody>
+          <a:bodyPr/>
+          <a:lstStyle/>
+          <a:p>
+            <a:pPr marL="0" indent="0" algn="ctr">
+              <a:buNone/>
+            </a:pPr>
+            <a:r>
+              <a:rPr lang="en-US" dirty="0" smtClean="0"/>
+              <a:t>STS Flow illustration</a:t>
+            </a:r>
+            <a:br>
+              <a:rPr lang="en-US" dirty="0" smtClean="0"/>
+            </a:br>
+            <a:endParaRPr lang="en-US" dirty="0" smtClean="0"/>
+          </a:p>
+          <a:p>
+            <a:pPr marL="0" indent="0">
+              <a:buNone/>
+            </a:pPr>
+            <a:r>
+              <a:rPr lang="en-US" dirty="0" smtClean="0"/>
+              <a:t>The user provides the STS with his credentials</a:t>
+            </a:r>
+            <a:endParaRPr lang="en-US" dirty="0"/>
+          </a:p>
+        </p:txBody>
+      </p:sp>
+      <p:sp>
+        <p:nvSpPr>
+          <p:cNvPr id="5" name="Rektangel 4"/>
+          <p:cNvSpPr/>
+          <p:nvPr/>
+        </p:nvSpPr>
+        <p:spPr>
+          <a:xfrm>
+            <a:off x="827584" y="5013176"/>
+            <a:ext cx="2232248" cy="936104"/>
+          </a:xfrm>
+          <a:prstGeom prst="rect">
+            <a:avLst/>
+          </a:prstGeom>
+        </p:spPr>
+        <p:style>
+          <a:lnRef idx="2">
+            <a:schemeClr val="accent1">
+              <a:shade val="50000"/>
+            </a:schemeClr>
+          </a:lnRef>
+          <a:fillRef idx="1">
+            <a:schemeClr val="accent1"/>
+          </a:fillRef>
+          <a:effectRef idx="0">
+            <a:schemeClr val="accent1"/>
+          </a:effectRef>
+          <a:fontRef idx="minor">
+            <a:schemeClr val="lt1"/>
+          </a:fontRef>
+        </p:style>
+        <p:txBody>
+          <a:bodyPr rtlCol="0" anchor="ctr"/>
+          <a:lstStyle/>
+          <a:p>
+            <a:pPr algn="ctr"/>
+            <a:r>
+              <a:rPr lang="en-US" dirty="0" smtClean="0"/>
+              <a:t>User</a:t>
+            </a:r>
+            <a:endParaRPr lang="en-US" dirty="0"/>
+          </a:p>
+        </p:txBody>
+      </p:sp>
+      <p:sp>
+        <p:nvSpPr>
+          <p:cNvPr id="6" name="Rektangel 5"/>
+          <p:cNvSpPr/>
+          <p:nvPr/>
+        </p:nvSpPr>
+        <p:spPr>
+          <a:xfrm>
+            <a:off x="5977317" y="3395129"/>
+            <a:ext cx="2232248" cy="936104"/>
+          </a:xfrm>
+          <a:prstGeom prst="rect">
+            <a:avLst/>
+          </a:prstGeom>
+        </p:spPr>
+        <p:style>
+          <a:lnRef idx="2">
+            <a:schemeClr val="accent1">
+              <a:shade val="50000"/>
+            </a:schemeClr>
+          </a:lnRef>
+          <a:fillRef idx="1">
+            <a:schemeClr val="accent1"/>
+          </a:fillRef>
+          <a:effectRef idx="0">
+            <a:schemeClr val="accent1"/>
+          </a:effectRef>
+          <a:fontRef idx="minor">
+            <a:schemeClr val="lt1"/>
+          </a:fontRef>
+        </p:style>
+        <p:txBody>
+          <a:bodyPr rtlCol="0" anchor="ctr"/>
+          <a:lstStyle/>
+          <a:p>
+            <a:pPr algn="ctr"/>
+            <a:r>
+              <a:rPr lang="en-US" dirty="0" smtClean="0"/>
+              <a:t>Web Application</a:t>
+            </a:r>
+          </a:p>
+        </p:txBody>
+      </p:sp>
+      <p:sp>
+        <p:nvSpPr>
+          <p:cNvPr id="7" name="Rektangel 6"/>
+          <p:cNvSpPr/>
+          <p:nvPr/>
+        </p:nvSpPr>
+        <p:spPr>
+          <a:xfrm>
+            <a:off x="6012160" y="5013176"/>
+            <a:ext cx="2232248" cy="936104"/>
+          </a:xfrm>
+          <a:prstGeom prst="rect">
+            <a:avLst/>
+          </a:prstGeom>
+        </p:spPr>
+        <p:style>
+          <a:lnRef idx="2">
+            <a:schemeClr val="accent1">
+              <a:shade val="50000"/>
+            </a:schemeClr>
+          </a:lnRef>
+          <a:fillRef idx="1">
+            <a:schemeClr val="accent1"/>
+          </a:fillRef>
+          <a:effectRef idx="0">
+            <a:schemeClr val="accent1"/>
+          </a:effectRef>
+          <a:fontRef idx="minor">
+            <a:schemeClr val="lt1"/>
+          </a:fontRef>
+        </p:style>
+        <p:txBody>
+          <a:bodyPr rtlCol="0" anchor="ctr"/>
+          <a:lstStyle/>
+          <a:p>
+            <a:pPr algn="ctr"/>
+            <a:r>
+              <a:rPr lang="en-US" dirty="0" smtClean="0"/>
+              <a:t>Secure Token Service</a:t>
+            </a:r>
+            <a:endParaRPr lang="en-US" dirty="0"/>
+          </a:p>
+        </p:txBody>
+      </p:sp>
+      <p:cxnSp>
+        <p:nvCxnSpPr>
+          <p:cNvPr id="8" name="Rak pil 7"/>
+          <p:cNvCxnSpPr/>
+          <p:nvPr/>
+        </p:nvCxnSpPr>
+        <p:spPr>
+          <a:xfrm>
+            <a:off x="3275856" y="5769260"/>
+            <a:ext cx="2592288" cy="0"/>
+          </a:xfrm>
+          <a:prstGeom prst="straightConnector1">
+            <a:avLst/>
+          </a:prstGeom>
+          <a:ln>
+            <a:tailEnd type="triangle"/>
+          </a:ln>
+        </p:spPr>
+        <p:style>
+          <a:lnRef idx="1">
+            <a:schemeClr val="accent1"/>
+          </a:lnRef>
+          <a:fillRef idx="0">
+            <a:schemeClr val="accent1"/>
+          </a:fillRef>
+          <a:effectRef idx="0">
+            <a:schemeClr val="accent1"/>
+          </a:effectRef>
+          <a:fontRef idx="minor">
+            <a:schemeClr val="tx1"/>
+          </a:fontRef>
+        </p:style>
+      </p:cxnSp>
+      <p:sp>
+        <p:nvSpPr>
+          <p:cNvPr id="9" name="textruta 8"/>
+          <p:cNvSpPr txBox="1"/>
+          <p:nvPr/>
+        </p:nvSpPr>
+        <p:spPr>
+          <a:xfrm>
+            <a:off x="3907340" y="5435932"/>
+            <a:ext cx="1410643" cy="369332"/>
+          </a:xfrm>
+          <a:prstGeom prst="rect">
+            <a:avLst/>
+          </a:prstGeom>
+          <a:noFill/>
+        </p:spPr>
+        <p:txBody>
+          <a:bodyPr wrap="none" rtlCol="0">
+            <a:spAutoFit/>
+          </a:bodyPr>
+          <a:lstStyle/>
+          <a:p>
+            <a:r>
+              <a:rPr lang="en-US" dirty="0" smtClean="0"/>
+              <a:t>2 Credentials</a:t>
+            </a:r>
+            <a:endParaRPr lang="en-US" dirty="0"/>
+          </a:p>
+        </p:txBody>
+      </p:sp>
+      <p:cxnSp>
+        <p:nvCxnSpPr>
+          <p:cNvPr id="10" name="Vinklad  9"/>
+          <p:cNvCxnSpPr/>
+          <p:nvPr/>
+        </p:nvCxnSpPr>
+        <p:spPr>
+          <a:xfrm rot="10800000" flipV="1">
+            <a:off x="1763688" y="3437287"/>
+            <a:ext cx="4104456" cy="1431872"/>
+          </a:xfrm>
+          <a:prstGeom prst="bentConnector3">
+            <a:avLst>
+              <a:gd name="adj1" fmla="val 100035"/>
+            </a:avLst>
+          </a:prstGeom>
+          <a:ln>
+            <a:tailEnd type="triangle"/>
+          </a:ln>
+        </p:spPr>
+        <p:style>
+          <a:lnRef idx="1">
+            <a:schemeClr val="accent1"/>
+          </a:lnRef>
+          <a:fillRef idx="0">
+            <a:schemeClr val="accent1"/>
+          </a:fillRef>
+          <a:effectRef idx="0">
+            <a:schemeClr val="accent1"/>
+          </a:effectRef>
+          <a:fontRef idx="minor">
+            <a:schemeClr val="tx1"/>
+          </a:fontRef>
+        </p:style>
+      </p:cxnSp>
+      <p:sp>
+        <p:nvSpPr>
+          <p:cNvPr id="11" name="textruta 10"/>
+          <p:cNvSpPr txBox="1"/>
+          <p:nvPr/>
+        </p:nvSpPr>
+        <p:spPr>
+          <a:xfrm>
+            <a:off x="3302314" y="3025797"/>
+            <a:ext cx="2612318" cy="369332"/>
+          </a:xfrm>
+          <a:prstGeom prst="rect">
+            <a:avLst/>
+          </a:prstGeom>
+          <a:noFill/>
+        </p:spPr>
+        <p:txBody>
+          <a:bodyPr wrap="none" rtlCol="0">
+            <a:spAutoFit/>
+          </a:bodyPr>
+          <a:lstStyle/>
+          <a:p>
+            <a:r>
+              <a:rPr lang="en-US" dirty="0" smtClean="0"/>
+              <a:t>1 Requests Security Token</a:t>
+            </a:r>
+            <a:endParaRPr lang="en-US" dirty="0"/>
+          </a:p>
+        </p:txBody>
+      </p:sp>
+    </p:spTree>
+    <p:extLst>
+      <p:ext uri="{BB962C8B-B14F-4D97-AF65-F5344CB8AC3E}">
+        <p14:creationId xmlns:p14="http://schemas.microsoft.com/office/powerpoint/2010/main" val="3467888151"/>
+      </p:ext>
+    </p:extLst>
+  </p:cSld>
+  <p:clrMapOvr>
+    <a:masterClrMapping/>
+  </p:clrMapOvr>
+  <p:timing>
+    <p:tnLst>
+      <p:par>
+        <p:cTn id="1" dur="indefinite" restart="never" nodeType="tmRoot"/>
+      </p:par>
+    </p:tnLst>
+  </p:timing>
+</p:sld>
+</file>
+
+<file path=ppt/slides/slide17.xml><?xml version="1.0" encoding="utf-8"?>
+<p:sld xmlns:a="http://schemas.openxmlformats.org/drawingml/2006/main" xmlns:r="http://schemas.openxmlformats.org/officeDocument/2006/relationships" xmlns:p="http://schemas.openxmlformats.org/presentationml/2006/main">
+  <p:cSld>
+    <p:spTree>
+      <p:nvGrpSpPr>
+        <p:cNvPr id="1" name=""/>
+        <p:cNvGrpSpPr/>
+        <p:nvPr/>
+      </p:nvGrpSpPr>
+      <p:grpSpPr>
+        <a:xfrm>
+          <a:off x="0" y="0"/>
+          <a:ext cx="0" cy="0"/>
+          <a:chOff x="0" y="0"/>
+          <a:chExt cx="0" cy="0"/>
+        </a:xfrm>
+      </p:grpSpPr>
+      <p:sp>
+        <p:nvSpPr>
+          <p:cNvPr id="2" name="Rubrik 1"/>
+          <p:cNvSpPr>
+            <a:spLocks noGrp="1"/>
+          </p:cNvSpPr>
+          <p:nvPr>
+            <p:ph type="title"/>
+          </p:nvPr>
+        </p:nvSpPr>
+        <p:spPr/>
+        <p:txBody>
+          <a:bodyPr/>
+          <a:lstStyle/>
+          <a:p>
+            <a:r>
+              <a:rPr lang="en-US" dirty="0"/>
+              <a:t>ASP.NET Identity – Security Features</a:t>
+            </a:r>
+            <a:endParaRPr lang="en-US" dirty="0"/>
+          </a:p>
+        </p:txBody>
+      </p:sp>
+      <p:sp>
+        <p:nvSpPr>
+          <p:cNvPr id="3" name="Platshållare för innehåll 2"/>
+          <p:cNvSpPr>
+            <a:spLocks noGrp="1"/>
+          </p:cNvSpPr>
+          <p:nvPr>
+            <p:ph idx="1"/>
+          </p:nvPr>
+        </p:nvSpPr>
+        <p:spPr>
+          <a:xfrm>
+            <a:off x="467544" y="836712"/>
+            <a:ext cx="8352928" cy="5289451"/>
+          </a:xfrm>
+        </p:spPr>
+        <p:txBody>
+          <a:bodyPr/>
+          <a:lstStyle/>
+          <a:p>
+            <a:pPr marL="0" indent="0" algn="ctr">
+              <a:buNone/>
+            </a:pPr>
+            <a:r>
+              <a:rPr lang="en-US" dirty="0" smtClean="0"/>
+              <a:t>STS Flow illustration</a:t>
+            </a:r>
+            <a:br>
+              <a:rPr lang="en-US" dirty="0" smtClean="0"/>
+            </a:br>
+            <a:endParaRPr lang="en-US" dirty="0" smtClean="0"/>
+          </a:p>
+          <a:p>
+            <a:pPr marL="0" indent="0">
+              <a:buNone/>
+            </a:pPr>
+            <a:r>
+              <a:rPr lang="en-US" dirty="0" smtClean="0"/>
+              <a:t>If the credentials are valid, the STS will return a Security token</a:t>
+            </a:r>
+            <a:endParaRPr lang="en-US" dirty="0"/>
+          </a:p>
+        </p:txBody>
+      </p:sp>
+      <p:sp>
+        <p:nvSpPr>
+          <p:cNvPr id="5" name="Rektangel 4"/>
+          <p:cNvSpPr/>
+          <p:nvPr/>
+        </p:nvSpPr>
+        <p:spPr>
+          <a:xfrm>
+            <a:off x="827584" y="5013176"/>
+            <a:ext cx="2232248" cy="936104"/>
+          </a:xfrm>
+          <a:prstGeom prst="rect">
+            <a:avLst/>
+          </a:prstGeom>
+        </p:spPr>
+        <p:style>
+          <a:lnRef idx="2">
+            <a:schemeClr val="accent1">
+              <a:shade val="50000"/>
+            </a:schemeClr>
+          </a:lnRef>
+          <a:fillRef idx="1">
+            <a:schemeClr val="accent1"/>
+          </a:fillRef>
+          <a:effectRef idx="0">
+            <a:schemeClr val="accent1"/>
+          </a:effectRef>
+          <a:fontRef idx="minor">
+            <a:schemeClr val="lt1"/>
+          </a:fontRef>
+        </p:style>
+        <p:txBody>
+          <a:bodyPr rtlCol="0" anchor="ctr"/>
+          <a:lstStyle/>
+          <a:p>
+            <a:pPr algn="ctr"/>
+            <a:r>
+              <a:rPr lang="en-US" dirty="0" smtClean="0"/>
+              <a:t>User</a:t>
+            </a:r>
+            <a:endParaRPr lang="en-US" dirty="0"/>
+          </a:p>
+        </p:txBody>
+      </p:sp>
+      <p:sp>
+        <p:nvSpPr>
+          <p:cNvPr id="6" name="Rektangel 5"/>
+          <p:cNvSpPr/>
+          <p:nvPr/>
+        </p:nvSpPr>
+        <p:spPr>
+          <a:xfrm>
+            <a:off x="5977317" y="3395129"/>
+            <a:ext cx="2232248" cy="936104"/>
+          </a:xfrm>
+          <a:prstGeom prst="rect">
+            <a:avLst/>
+          </a:prstGeom>
+        </p:spPr>
+        <p:style>
+          <a:lnRef idx="2">
+            <a:schemeClr val="accent1">
+              <a:shade val="50000"/>
+            </a:schemeClr>
+          </a:lnRef>
+          <a:fillRef idx="1">
+            <a:schemeClr val="accent1"/>
+          </a:fillRef>
+          <a:effectRef idx="0">
+            <a:schemeClr val="accent1"/>
+          </a:effectRef>
+          <a:fontRef idx="minor">
+            <a:schemeClr val="lt1"/>
+          </a:fontRef>
+        </p:style>
+        <p:txBody>
+          <a:bodyPr rtlCol="0" anchor="ctr"/>
+          <a:lstStyle/>
+          <a:p>
+            <a:pPr algn="ctr"/>
+            <a:r>
+              <a:rPr lang="en-US" dirty="0" smtClean="0"/>
+              <a:t>Web Application</a:t>
+            </a:r>
+          </a:p>
+        </p:txBody>
+      </p:sp>
+      <p:sp>
+        <p:nvSpPr>
+          <p:cNvPr id="7" name="Rektangel 6"/>
+          <p:cNvSpPr/>
+          <p:nvPr/>
+        </p:nvSpPr>
+        <p:spPr>
+          <a:xfrm>
+            <a:off x="6012160" y="5013176"/>
+            <a:ext cx="2232248" cy="936104"/>
+          </a:xfrm>
+          <a:prstGeom prst="rect">
+            <a:avLst/>
+          </a:prstGeom>
+        </p:spPr>
+        <p:style>
+          <a:lnRef idx="2">
+            <a:schemeClr val="accent1">
+              <a:shade val="50000"/>
+            </a:schemeClr>
+          </a:lnRef>
+          <a:fillRef idx="1">
+            <a:schemeClr val="accent1"/>
+          </a:fillRef>
+          <a:effectRef idx="0">
+            <a:schemeClr val="accent1"/>
+          </a:effectRef>
+          <a:fontRef idx="minor">
+            <a:schemeClr val="lt1"/>
+          </a:fontRef>
+        </p:style>
+        <p:txBody>
+          <a:bodyPr rtlCol="0" anchor="ctr"/>
+          <a:lstStyle/>
+          <a:p>
+            <a:pPr algn="ctr"/>
+            <a:r>
+              <a:rPr lang="en-US" dirty="0" smtClean="0"/>
+              <a:t>Secure Token Service</a:t>
+            </a:r>
+            <a:endParaRPr lang="en-US" dirty="0"/>
+          </a:p>
+        </p:txBody>
+      </p:sp>
+      <p:cxnSp>
+        <p:nvCxnSpPr>
+          <p:cNvPr id="8" name="Rak pil 7"/>
+          <p:cNvCxnSpPr/>
+          <p:nvPr/>
+        </p:nvCxnSpPr>
+        <p:spPr>
+          <a:xfrm>
+            <a:off x="3275856" y="5769260"/>
+            <a:ext cx="2592288" cy="0"/>
+          </a:xfrm>
+          <a:prstGeom prst="straightConnector1">
+            <a:avLst/>
+          </a:prstGeom>
+          <a:ln>
+            <a:tailEnd type="triangle"/>
+          </a:ln>
+        </p:spPr>
+        <p:style>
+          <a:lnRef idx="1">
+            <a:schemeClr val="accent1"/>
+          </a:lnRef>
+          <a:fillRef idx="0">
+            <a:schemeClr val="accent1"/>
+          </a:fillRef>
+          <a:effectRef idx="0">
+            <a:schemeClr val="accent1"/>
+          </a:effectRef>
+          <a:fontRef idx="minor">
+            <a:schemeClr val="tx1"/>
+          </a:fontRef>
+        </p:style>
+      </p:cxnSp>
+      <p:sp>
+        <p:nvSpPr>
+          <p:cNvPr id="9" name="textruta 8"/>
+          <p:cNvSpPr txBox="1"/>
+          <p:nvPr/>
+        </p:nvSpPr>
+        <p:spPr>
+          <a:xfrm>
+            <a:off x="3907340" y="5435932"/>
+            <a:ext cx="1410643" cy="369332"/>
+          </a:xfrm>
+          <a:prstGeom prst="rect">
+            <a:avLst/>
+          </a:prstGeom>
+          <a:noFill/>
+        </p:spPr>
+        <p:txBody>
+          <a:bodyPr wrap="none" rtlCol="0">
+            <a:spAutoFit/>
+          </a:bodyPr>
+          <a:lstStyle/>
+          <a:p>
+            <a:r>
+              <a:rPr lang="en-US" dirty="0"/>
+              <a:t>2</a:t>
+            </a:r>
+            <a:r>
+              <a:rPr lang="en-US" dirty="0" smtClean="0"/>
+              <a:t> Credentials</a:t>
+            </a:r>
+            <a:endParaRPr lang="en-US" dirty="0"/>
+          </a:p>
+        </p:txBody>
+      </p:sp>
+      <p:cxnSp>
+        <p:nvCxnSpPr>
+          <p:cNvPr id="10" name="Rak pil 9"/>
+          <p:cNvCxnSpPr/>
+          <p:nvPr/>
+        </p:nvCxnSpPr>
+        <p:spPr>
+          <a:xfrm flipH="1">
+            <a:off x="3275856" y="5373216"/>
+            <a:ext cx="2592288" cy="0"/>
+          </a:xfrm>
+          <a:prstGeom prst="straightConnector1">
+            <a:avLst/>
+          </a:prstGeom>
+          <a:ln>
+            <a:tailEnd type="triangle"/>
+          </a:ln>
+        </p:spPr>
+        <p:style>
+          <a:lnRef idx="1">
+            <a:schemeClr val="accent1"/>
+          </a:lnRef>
+          <a:fillRef idx="0">
+            <a:schemeClr val="accent1"/>
+          </a:fillRef>
+          <a:effectRef idx="0">
+            <a:schemeClr val="accent1"/>
+          </a:effectRef>
+          <a:fontRef idx="minor">
+            <a:schemeClr val="tx1"/>
+          </a:fontRef>
+        </p:style>
+      </p:cxnSp>
+      <p:sp>
+        <p:nvSpPr>
+          <p:cNvPr id="11" name="textruta 10"/>
+          <p:cNvSpPr txBox="1"/>
+          <p:nvPr/>
+        </p:nvSpPr>
+        <p:spPr>
+          <a:xfrm>
+            <a:off x="3801949" y="5003884"/>
+            <a:ext cx="1710020" cy="369332"/>
+          </a:xfrm>
+          <a:prstGeom prst="rect">
+            <a:avLst/>
+          </a:prstGeom>
+          <a:noFill/>
+        </p:spPr>
+        <p:txBody>
+          <a:bodyPr wrap="none" rtlCol="0">
+            <a:spAutoFit/>
+          </a:bodyPr>
+          <a:lstStyle/>
+          <a:p>
+            <a:r>
+              <a:rPr lang="en-US" dirty="0"/>
+              <a:t>3</a:t>
+            </a:r>
+            <a:r>
+              <a:rPr lang="en-US" dirty="0" smtClean="0"/>
+              <a:t> Security Token</a:t>
+            </a:r>
+            <a:endParaRPr lang="en-US" dirty="0"/>
+          </a:p>
+        </p:txBody>
+      </p:sp>
+      <p:cxnSp>
+        <p:nvCxnSpPr>
+          <p:cNvPr id="12" name="Vinklad  11"/>
+          <p:cNvCxnSpPr/>
+          <p:nvPr/>
+        </p:nvCxnSpPr>
+        <p:spPr>
+          <a:xfrm rot="10800000" flipV="1">
+            <a:off x="1763688" y="3437287"/>
+            <a:ext cx="4104456" cy="1431872"/>
+          </a:xfrm>
+          <a:prstGeom prst="bentConnector3">
+            <a:avLst>
+              <a:gd name="adj1" fmla="val 100035"/>
+            </a:avLst>
+          </a:prstGeom>
+          <a:ln>
+            <a:tailEnd type="triangle"/>
+          </a:ln>
+        </p:spPr>
+        <p:style>
+          <a:lnRef idx="1">
+            <a:schemeClr val="accent1"/>
+          </a:lnRef>
+          <a:fillRef idx="0">
+            <a:schemeClr val="accent1"/>
+          </a:fillRef>
+          <a:effectRef idx="0">
+            <a:schemeClr val="accent1"/>
+          </a:effectRef>
+          <a:fontRef idx="minor">
+            <a:schemeClr val="tx1"/>
+          </a:fontRef>
+        </p:style>
+      </p:cxnSp>
+      <p:sp>
+        <p:nvSpPr>
+          <p:cNvPr id="13" name="textruta 12"/>
+          <p:cNvSpPr txBox="1"/>
+          <p:nvPr/>
+        </p:nvSpPr>
+        <p:spPr>
+          <a:xfrm>
+            <a:off x="3302314" y="3025797"/>
+            <a:ext cx="2612318" cy="369332"/>
+          </a:xfrm>
+          <a:prstGeom prst="rect">
+            <a:avLst/>
+          </a:prstGeom>
+          <a:noFill/>
+        </p:spPr>
+        <p:txBody>
+          <a:bodyPr wrap="none" rtlCol="0">
+            <a:spAutoFit/>
+          </a:bodyPr>
+          <a:lstStyle/>
+          <a:p>
+            <a:r>
+              <a:rPr lang="en-US" dirty="0" smtClean="0"/>
+              <a:t>1 Requests Security Token</a:t>
+            </a:r>
+            <a:endParaRPr lang="en-US" dirty="0"/>
+          </a:p>
+        </p:txBody>
+      </p:sp>
+    </p:spTree>
+    <p:extLst>
+      <p:ext uri="{BB962C8B-B14F-4D97-AF65-F5344CB8AC3E}">
+        <p14:creationId xmlns:p14="http://schemas.microsoft.com/office/powerpoint/2010/main" val="2901560194"/>
+      </p:ext>
+    </p:extLst>
+  </p:cSld>
+  <p:clrMapOvr>
+    <a:masterClrMapping/>
+  </p:clrMapOvr>
+  <p:timing>
+    <p:tnLst>
+      <p:par>
+        <p:cTn id="1" dur="indefinite" restart="never" nodeType="tmRoot"/>
+      </p:par>
+    </p:tnLst>
+  </p:timing>
+</p:sld>
+</file>
+
+<file path=ppt/slides/slide18.xml><?xml version="1.0" encoding="utf-8"?>
+<p:sld xmlns:a="http://schemas.openxmlformats.org/drawingml/2006/main" xmlns:r="http://schemas.openxmlformats.org/officeDocument/2006/relationships" xmlns:p="http://schemas.openxmlformats.org/presentationml/2006/main">
+  <p:cSld>
+    <p:spTree>
+      <p:nvGrpSpPr>
+        <p:cNvPr id="1" name=""/>
+        <p:cNvGrpSpPr/>
+        <p:nvPr/>
+      </p:nvGrpSpPr>
+      <p:grpSpPr>
+        <a:xfrm>
+          <a:off x="0" y="0"/>
+          <a:ext cx="0" cy="0"/>
+          <a:chOff x="0" y="0"/>
+          <a:chExt cx="0" cy="0"/>
+        </a:xfrm>
+      </p:grpSpPr>
+      <p:sp>
+        <p:nvSpPr>
+          <p:cNvPr id="2" name="Rubrik 1"/>
+          <p:cNvSpPr>
+            <a:spLocks noGrp="1"/>
+          </p:cNvSpPr>
+          <p:nvPr>
+            <p:ph type="title"/>
+          </p:nvPr>
+        </p:nvSpPr>
+        <p:spPr/>
+        <p:txBody>
+          <a:bodyPr/>
+          <a:lstStyle/>
+          <a:p>
+            <a:r>
+              <a:rPr lang="en-US" dirty="0"/>
+              <a:t>ASP.NET Identity – Security Features</a:t>
+            </a:r>
+            <a:endParaRPr lang="en-US" dirty="0"/>
+          </a:p>
+        </p:txBody>
+      </p:sp>
+      <p:sp>
+        <p:nvSpPr>
+          <p:cNvPr id="3" name="Platshållare för innehåll 2"/>
+          <p:cNvSpPr>
+            <a:spLocks noGrp="1"/>
+          </p:cNvSpPr>
+          <p:nvPr>
+            <p:ph idx="1"/>
+          </p:nvPr>
+        </p:nvSpPr>
+        <p:spPr>
+          <a:xfrm>
+            <a:off x="467544" y="836712"/>
+            <a:ext cx="8352928" cy="5289451"/>
+          </a:xfrm>
+        </p:spPr>
+        <p:txBody>
+          <a:bodyPr/>
+          <a:lstStyle/>
+          <a:p>
+            <a:pPr marL="0" indent="0" algn="ctr">
+              <a:buNone/>
+            </a:pPr>
+            <a:r>
+              <a:rPr lang="en-US" dirty="0" smtClean="0"/>
+              <a:t>STS Flow illustration</a:t>
+            </a:r>
+            <a:br>
+              <a:rPr lang="en-US" dirty="0" smtClean="0"/>
+            </a:br>
+            <a:endParaRPr lang="en-US" dirty="0" smtClean="0"/>
+          </a:p>
+          <a:p>
+            <a:pPr marL="0" indent="0">
+              <a:buNone/>
+            </a:pPr>
+            <a:r>
+              <a:rPr lang="en-US" dirty="0" smtClean="0"/>
+              <a:t>The user provides the web application with the Security Token received from the </a:t>
+            </a:r>
+            <a:r>
+              <a:rPr lang="en-US" dirty="0" smtClean="0"/>
+              <a:t>STS</a:t>
+            </a:r>
+            <a:endParaRPr lang="en-US" dirty="0"/>
+          </a:p>
+        </p:txBody>
+      </p:sp>
+      <p:sp>
+        <p:nvSpPr>
+          <p:cNvPr id="5" name="Rektangel 4"/>
+          <p:cNvSpPr/>
+          <p:nvPr/>
+        </p:nvSpPr>
+        <p:spPr>
+          <a:xfrm>
+            <a:off x="827584" y="5013176"/>
+            <a:ext cx="2232248" cy="936104"/>
+          </a:xfrm>
+          <a:prstGeom prst="rect">
+            <a:avLst/>
+          </a:prstGeom>
+        </p:spPr>
+        <p:style>
+          <a:lnRef idx="2">
+            <a:schemeClr val="accent1">
+              <a:shade val="50000"/>
+            </a:schemeClr>
+          </a:lnRef>
+          <a:fillRef idx="1">
+            <a:schemeClr val="accent1"/>
+          </a:fillRef>
+          <a:effectRef idx="0">
+            <a:schemeClr val="accent1"/>
+          </a:effectRef>
+          <a:fontRef idx="minor">
+            <a:schemeClr val="lt1"/>
+          </a:fontRef>
+        </p:style>
+        <p:txBody>
+          <a:bodyPr rtlCol="0" anchor="ctr"/>
+          <a:lstStyle/>
+          <a:p>
+            <a:pPr algn="ctr"/>
+            <a:r>
+              <a:rPr lang="en-US" dirty="0" smtClean="0"/>
+              <a:t>User</a:t>
+            </a:r>
+            <a:endParaRPr lang="en-US" dirty="0"/>
+          </a:p>
+        </p:txBody>
+      </p:sp>
+      <p:sp>
+        <p:nvSpPr>
+          <p:cNvPr id="6" name="Rektangel 5"/>
+          <p:cNvSpPr/>
+          <p:nvPr/>
+        </p:nvSpPr>
+        <p:spPr>
+          <a:xfrm>
+            <a:off x="5977317" y="3395129"/>
+            <a:ext cx="2232248" cy="936104"/>
+          </a:xfrm>
+          <a:prstGeom prst="rect">
+            <a:avLst/>
+          </a:prstGeom>
+        </p:spPr>
+        <p:style>
+          <a:lnRef idx="2">
+            <a:schemeClr val="accent1">
+              <a:shade val="50000"/>
+            </a:schemeClr>
+          </a:lnRef>
+          <a:fillRef idx="1">
+            <a:schemeClr val="accent1"/>
+          </a:fillRef>
+          <a:effectRef idx="0">
+            <a:schemeClr val="accent1"/>
+          </a:effectRef>
+          <a:fontRef idx="minor">
+            <a:schemeClr val="lt1"/>
+          </a:fontRef>
+        </p:style>
+        <p:txBody>
+          <a:bodyPr rtlCol="0" anchor="ctr"/>
+          <a:lstStyle/>
+          <a:p>
+            <a:pPr algn="ctr"/>
+            <a:r>
+              <a:rPr lang="en-US" dirty="0" smtClean="0"/>
+              <a:t>Web Application</a:t>
+            </a:r>
+          </a:p>
+        </p:txBody>
+      </p:sp>
+      <p:sp>
+        <p:nvSpPr>
+          <p:cNvPr id="7" name="Rektangel 6"/>
+          <p:cNvSpPr/>
+          <p:nvPr/>
+        </p:nvSpPr>
+        <p:spPr>
+          <a:xfrm>
+            <a:off x="6012160" y="5013176"/>
+            <a:ext cx="2232248" cy="936104"/>
+          </a:xfrm>
+          <a:prstGeom prst="rect">
+            <a:avLst/>
+          </a:prstGeom>
+        </p:spPr>
+        <p:style>
+          <a:lnRef idx="2">
+            <a:schemeClr val="accent1">
+              <a:shade val="50000"/>
+            </a:schemeClr>
+          </a:lnRef>
+          <a:fillRef idx="1">
+            <a:schemeClr val="accent1"/>
+          </a:fillRef>
+          <a:effectRef idx="0">
+            <a:schemeClr val="accent1"/>
+          </a:effectRef>
+          <a:fontRef idx="minor">
+            <a:schemeClr val="lt1"/>
+          </a:fontRef>
+        </p:style>
+        <p:txBody>
+          <a:bodyPr rtlCol="0" anchor="ctr"/>
+          <a:lstStyle/>
+          <a:p>
+            <a:pPr algn="ctr"/>
+            <a:r>
+              <a:rPr lang="en-US" dirty="0" smtClean="0"/>
+              <a:t>Secure Token Service</a:t>
+            </a:r>
+            <a:endParaRPr lang="en-US" dirty="0"/>
+          </a:p>
+        </p:txBody>
+      </p:sp>
+      <p:cxnSp>
+        <p:nvCxnSpPr>
+          <p:cNvPr id="8" name="Rak pil 7"/>
+          <p:cNvCxnSpPr/>
+          <p:nvPr/>
+        </p:nvCxnSpPr>
+        <p:spPr>
+          <a:xfrm>
+            <a:off x="3275856" y="5769260"/>
+            <a:ext cx="2592288" cy="0"/>
+          </a:xfrm>
+          <a:prstGeom prst="straightConnector1">
+            <a:avLst/>
+          </a:prstGeom>
+          <a:ln>
+            <a:tailEnd type="triangle"/>
+          </a:ln>
+        </p:spPr>
+        <p:style>
+          <a:lnRef idx="1">
+            <a:schemeClr val="accent1"/>
+          </a:lnRef>
+          <a:fillRef idx="0">
+            <a:schemeClr val="accent1"/>
+          </a:fillRef>
+          <a:effectRef idx="0">
+            <a:schemeClr val="accent1"/>
+          </a:effectRef>
+          <a:fontRef idx="minor">
+            <a:schemeClr val="tx1"/>
+          </a:fontRef>
+        </p:style>
+      </p:cxnSp>
+      <p:sp>
+        <p:nvSpPr>
+          <p:cNvPr id="9" name="textruta 8"/>
+          <p:cNvSpPr txBox="1"/>
+          <p:nvPr/>
+        </p:nvSpPr>
+        <p:spPr>
+          <a:xfrm>
+            <a:off x="3907340" y="5435932"/>
+            <a:ext cx="1410643" cy="369332"/>
+          </a:xfrm>
+          <a:prstGeom prst="rect">
+            <a:avLst/>
+          </a:prstGeom>
+          <a:noFill/>
+        </p:spPr>
+        <p:txBody>
+          <a:bodyPr wrap="none" rtlCol="0">
+            <a:spAutoFit/>
+          </a:bodyPr>
+          <a:lstStyle/>
+          <a:p>
+            <a:r>
+              <a:rPr lang="en-US" dirty="0" smtClean="0"/>
+              <a:t>2 Credentials</a:t>
+            </a:r>
+            <a:endParaRPr lang="en-US" dirty="0"/>
+          </a:p>
+        </p:txBody>
+      </p:sp>
+      <p:cxnSp>
+        <p:nvCxnSpPr>
+          <p:cNvPr id="10" name="Rak pil 9"/>
+          <p:cNvCxnSpPr/>
+          <p:nvPr/>
+        </p:nvCxnSpPr>
+        <p:spPr>
+          <a:xfrm flipH="1">
+            <a:off x="3275856" y="5373216"/>
+            <a:ext cx="2592288" cy="0"/>
+          </a:xfrm>
+          <a:prstGeom prst="straightConnector1">
+            <a:avLst/>
+          </a:prstGeom>
+          <a:ln>
+            <a:tailEnd type="triangle"/>
+          </a:ln>
+        </p:spPr>
+        <p:style>
+          <a:lnRef idx="1">
+            <a:schemeClr val="accent1"/>
+          </a:lnRef>
+          <a:fillRef idx="0">
+            <a:schemeClr val="accent1"/>
+          </a:fillRef>
+          <a:effectRef idx="0">
+            <a:schemeClr val="accent1"/>
+          </a:effectRef>
+          <a:fontRef idx="minor">
+            <a:schemeClr val="tx1"/>
+          </a:fontRef>
+        </p:style>
+      </p:cxnSp>
+      <p:sp>
+        <p:nvSpPr>
+          <p:cNvPr id="11" name="textruta 10"/>
+          <p:cNvSpPr txBox="1"/>
+          <p:nvPr/>
+        </p:nvSpPr>
+        <p:spPr>
+          <a:xfrm>
+            <a:off x="3801949" y="5003884"/>
+            <a:ext cx="1710020" cy="369332"/>
+          </a:xfrm>
+          <a:prstGeom prst="rect">
+            <a:avLst/>
+          </a:prstGeom>
+          <a:noFill/>
+        </p:spPr>
+        <p:txBody>
+          <a:bodyPr wrap="none" rtlCol="0">
+            <a:spAutoFit/>
+          </a:bodyPr>
+          <a:lstStyle/>
+          <a:p>
+            <a:r>
+              <a:rPr lang="en-US" dirty="0" smtClean="0"/>
+              <a:t>3 Security Token</a:t>
+            </a:r>
+            <a:endParaRPr lang="en-US" dirty="0"/>
+          </a:p>
+        </p:txBody>
+      </p:sp>
+      <p:cxnSp>
+        <p:nvCxnSpPr>
+          <p:cNvPr id="15" name="Vinklad  14"/>
+          <p:cNvCxnSpPr/>
+          <p:nvPr/>
+        </p:nvCxnSpPr>
+        <p:spPr>
+          <a:xfrm flipV="1">
+            <a:off x="2771800" y="4149080"/>
+            <a:ext cx="3096344" cy="677921"/>
+          </a:xfrm>
+          <a:prstGeom prst="bentConnector3">
+            <a:avLst>
+              <a:gd name="adj1" fmla="val 263"/>
+            </a:avLst>
+          </a:prstGeom>
+          <a:ln>
+            <a:tailEnd type="triangle"/>
+          </a:ln>
+        </p:spPr>
+        <p:style>
+          <a:lnRef idx="1">
+            <a:schemeClr val="accent1"/>
+          </a:lnRef>
+          <a:fillRef idx="0">
+            <a:schemeClr val="accent1"/>
+          </a:fillRef>
+          <a:effectRef idx="0">
+            <a:schemeClr val="accent1"/>
+          </a:effectRef>
+          <a:fontRef idx="minor">
+            <a:schemeClr val="tx1"/>
+          </a:fontRef>
+        </p:style>
+      </p:cxnSp>
+      <p:sp>
+        <p:nvSpPr>
+          <p:cNvPr id="25" name="textruta 24"/>
+          <p:cNvSpPr txBox="1"/>
+          <p:nvPr/>
+        </p:nvSpPr>
+        <p:spPr>
+          <a:xfrm>
+            <a:off x="3779912" y="3779748"/>
+            <a:ext cx="1710020" cy="369332"/>
+          </a:xfrm>
+          <a:prstGeom prst="rect">
+            <a:avLst/>
+          </a:prstGeom>
+          <a:noFill/>
+        </p:spPr>
+        <p:txBody>
+          <a:bodyPr wrap="none" rtlCol="0">
+            <a:spAutoFit/>
+          </a:bodyPr>
+          <a:lstStyle/>
+          <a:p>
+            <a:r>
+              <a:rPr lang="en-US" dirty="0" smtClean="0"/>
+              <a:t>4 Security Token</a:t>
+            </a:r>
+            <a:endParaRPr lang="en-US" dirty="0"/>
+          </a:p>
+        </p:txBody>
+      </p:sp>
+      <p:cxnSp>
+        <p:nvCxnSpPr>
+          <p:cNvPr id="13" name="Vinklad  12"/>
+          <p:cNvCxnSpPr/>
+          <p:nvPr/>
+        </p:nvCxnSpPr>
+        <p:spPr>
+          <a:xfrm rot="10800000" flipV="1">
+            <a:off x="1763688" y="3437287"/>
+            <a:ext cx="4104456" cy="1431872"/>
+          </a:xfrm>
+          <a:prstGeom prst="bentConnector3">
+            <a:avLst>
+              <a:gd name="adj1" fmla="val 100035"/>
+            </a:avLst>
+          </a:prstGeom>
+          <a:ln>
+            <a:tailEnd type="triangle"/>
+          </a:ln>
+        </p:spPr>
+        <p:style>
+          <a:lnRef idx="1">
+            <a:schemeClr val="accent1"/>
+          </a:lnRef>
+          <a:fillRef idx="0">
+            <a:schemeClr val="accent1"/>
+          </a:fillRef>
+          <a:effectRef idx="0">
+            <a:schemeClr val="accent1"/>
+          </a:effectRef>
+          <a:fontRef idx="minor">
+            <a:schemeClr val="tx1"/>
+          </a:fontRef>
+        </p:style>
+      </p:cxnSp>
+      <p:sp>
+        <p:nvSpPr>
+          <p:cNvPr id="14" name="textruta 13"/>
+          <p:cNvSpPr txBox="1"/>
+          <p:nvPr/>
+        </p:nvSpPr>
+        <p:spPr>
+          <a:xfrm>
+            <a:off x="3302314" y="3025797"/>
+            <a:ext cx="2612318" cy="369332"/>
+          </a:xfrm>
+          <a:prstGeom prst="rect">
+            <a:avLst/>
+          </a:prstGeom>
+          <a:noFill/>
+        </p:spPr>
+        <p:txBody>
+          <a:bodyPr wrap="none" rtlCol="0">
+            <a:spAutoFit/>
+          </a:bodyPr>
+          <a:lstStyle/>
+          <a:p>
+            <a:r>
+              <a:rPr lang="en-US" dirty="0" smtClean="0"/>
+              <a:t>1 Requests Security Token</a:t>
+            </a:r>
+            <a:endParaRPr lang="en-US" dirty="0"/>
+          </a:p>
+        </p:txBody>
+      </p:sp>
+    </p:spTree>
+    <p:extLst>
+      <p:ext uri="{BB962C8B-B14F-4D97-AF65-F5344CB8AC3E}">
+        <p14:creationId xmlns:p14="http://schemas.microsoft.com/office/powerpoint/2010/main" val="3047780203"/>
+      </p:ext>
+    </p:extLst>
+  </p:cSld>
+  <p:clrMapOvr>
+    <a:masterClrMapping/>
+  </p:clrMapOvr>
+  <p:timing>
+    <p:tnLst>
+      <p:par>
+        <p:cTn id="1" dur="indefinite" restart="never" nodeType="tmRoot"/>
+      </p:par>
+    </p:tnLst>
+  </p:timing>
+</p:sld>
+</file>
+
+<file path=ppt/slides/slide19.xml><?xml version="1.0" encoding="utf-8"?>
+<p:sld xmlns:a="http://schemas.openxmlformats.org/drawingml/2006/main" xmlns:r="http://schemas.openxmlformats.org/officeDocument/2006/relationships" xmlns:p="http://schemas.openxmlformats.org/presentationml/2006/main">
+  <p:cSld>
+    <p:spTree>
+      <p:nvGrpSpPr>
+        <p:cNvPr id="1" name=""/>
+        <p:cNvGrpSpPr/>
+        <p:nvPr/>
+      </p:nvGrpSpPr>
+      <p:grpSpPr>
+        <a:xfrm>
+          <a:off x="0" y="0"/>
+          <a:ext cx="0" cy="0"/>
+          <a:chOff x="0" y="0"/>
+          <a:chExt cx="0" cy="0"/>
+        </a:xfrm>
+      </p:grpSpPr>
+      <p:sp>
+        <p:nvSpPr>
+          <p:cNvPr id="2" name="Rubrik 1"/>
+          <p:cNvSpPr>
+            <a:spLocks noGrp="1"/>
+          </p:cNvSpPr>
+          <p:nvPr>
+            <p:ph type="title"/>
+          </p:nvPr>
+        </p:nvSpPr>
+        <p:spPr/>
+        <p:txBody>
+          <a:bodyPr/>
+          <a:lstStyle/>
+          <a:p>
+            <a:r>
+              <a:rPr lang="en-US" dirty="0"/>
+              <a:t>ASP.NET Identity – Security Features</a:t>
+            </a:r>
+            <a:endParaRPr lang="en-US" dirty="0"/>
+          </a:p>
+        </p:txBody>
+      </p:sp>
+      <p:sp>
+        <p:nvSpPr>
+          <p:cNvPr id="3" name="Platshållare för innehåll 2"/>
+          <p:cNvSpPr>
+            <a:spLocks noGrp="1"/>
+          </p:cNvSpPr>
+          <p:nvPr>
+            <p:ph idx="1"/>
+          </p:nvPr>
+        </p:nvSpPr>
+        <p:spPr>
+          <a:xfrm>
+            <a:off x="467544" y="836712"/>
+            <a:ext cx="8352928" cy="5289451"/>
+          </a:xfrm>
+        </p:spPr>
+        <p:txBody>
+          <a:bodyPr/>
+          <a:lstStyle/>
+          <a:p>
+            <a:pPr marL="0" indent="0" algn="ctr">
+              <a:buNone/>
+            </a:pPr>
+            <a:r>
+              <a:rPr lang="en-US" dirty="0" smtClean="0"/>
+              <a:t>STS Flow illustration</a:t>
+            </a:r>
+            <a:br>
+              <a:rPr lang="en-US" dirty="0" smtClean="0"/>
+            </a:br>
+            <a:endParaRPr lang="en-US" dirty="0" smtClean="0"/>
+          </a:p>
+          <a:p>
+            <a:pPr marL="0" indent="0">
+              <a:buNone/>
+            </a:pPr>
+            <a:r>
+              <a:rPr lang="en-US" dirty="0" smtClean="0"/>
+              <a:t>The web application checks if the STS is a trusted issuer</a:t>
+            </a:r>
+            <a:endParaRPr lang="en-US" dirty="0"/>
+          </a:p>
+        </p:txBody>
+      </p:sp>
+      <p:sp>
+        <p:nvSpPr>
+          <p:cNvPr id="5" name="Rektangel 4"/>
+          <p:cNvSpPr/>
+          <p:nvPr/>
+        </p:nvSpPr>
+        <p:spPr>
+          <a:xfrm>
+            <a:off x="827584" y="5013176"/>
+            <a:ext cx="2232248" cy="936104"/>
+          </a:xfrm>
+          <a:prstGeom prst="rect">
+            <a:avLst/>
+          </a:prstGeom>
+        </p:spPr>
+        <p:style>
+          <a:lnRef idx="2">
+            <a:schemeClr val="accent1">
+              <a:shade val="50000"/>
+            </a:schemeClr>
+          </a:lnRef>
+          <a:fillRef idx="1">
+            <a:schemeClr val="accent1"/>
+          </a:fillRef>
+          <a:effectRef idx="0">
+            <a:schemeClr val="accent1"/>
+          </a:effectRef>
+          <a:fontRef idx="minor">
+            <a:schemeClr val="lt1"/>
+          </a:fontRef>
+        </p:style>
+        <p:txBody>
+          <a:bodyPr rtlCol="0" anchor="ctr"/>
+          <a:lstStyle/>
+          <a:p>
+            <a:pPr algn="ctr"/>
+            <a:r>
+              <a:rPr lang="en-US" dirty="0" smtClean="0"/>
+              <a:t>User</a:t>
+            </a:r>
+            <a:endParaRPr lang="en-US" dirty="0"/>
+          </a:p>
+        </p:txBody>
+      </p:sp>
+      <p:sp>
+        <p:nvSpPr>
+          <p:cNvPr id="6" name="Rektangel 5"/>
+          <p:cNvSpPr/>
+          <p:nvPr/>
+        </p:nvSpPr>
+        <p:spPr>
+          <a:xfrm>
+            <a:off x="5977317" y="3395129"/>
+            <a:ext cx="2232248" cy="936104"/>
+          </a:xfrm>
+          <a:prstGeom prst="rect">
+            <a:avLst/>
+          </a:prstGeom>
+        </p:spPr>
+        <p:style>
+          <a:lnRef idx="2">
+            <a:schemeClr val="accent1">
+              <a:shade val="50000"/>
+            </a:schemeClr>
+          </a:lnRef>
+          <a:fillRef idx="1">
+            <a:schemeClr val="accent1"/>
+          </a:fillRef>
+          <a:effectRef idx="0">
+            <a:schemeClr val="accent1"/>
+          </a:effectRef>
+          <a:fontRef idx="minor">
+            <a:schemeClr val="lt1"/>
+          </a:fontRef>
+        </p:style>
+        <p:txBody>
+          <a:bodyPr rtlCol="0" anchor="ctr"/>
+          <a:lstStyle/>
+          <a:p>
+            <a:pPr algn="ctr"/>
+            <a:r>
+              <a:rPr lang="en-US" dirty="0" smtClean="0"/>
+              <a:t>Web Application</a:t>
+            </a:r>
+          </a:p>
+        </p:txBody>
+      </p:sp>
+      <p:sp>
+        <p:nvSpPr>
+          <p:cNvPr id="7" name="Rektangel 6"/>
+          <p:cNvSpPr/>
+          <p:nvPr/>
+        </p:nvSpPr>
+        <p:spPr>
+          <a:xfrm>
+            <a:off x="6012160" y="5013176"/>
+            <a:ext cx="2232248" cy="936104"/>
+          </a:xfrm>
+          <a:prstGeom prst="rect">
+            <a:avLst/>
+          </a:prstGeom>
+        </p:spPr>
+        <p:style>
+          <a:lnRef idx="2">
+            <a:schemeClr val="accent1">
+              <a:shade val="50000"/>
+            </a:schemeClr>
+          </a:lnRef>
+          <a:fillRef idx="1">
+            <a:schemeClr val="accent1"/>
+          </a:fillRef>
+          <a:effectRef idx="0">
+            <a:schemeClr val="accent1"/>
+          </a:effectRef>
+          <a:fontRef idx="minor">
+            <a:schemeClr val="lt1"/>
+          </a:fontRef>
+        </p:style>
+        <p:txBody>
+          <a:bodyPr rtlCol="0" anchor="ctr"/>
+          <a:lstStyle/>
+          <a:p>
+            <a:pPr algn="ctr"/>
+            <a:r>
+              <a:rPr lang="en-US" dirty="0" smtClean="0"/>
+              <a:t>Secure Token Service</a:t>
+            </a:r>
+            <a:endParaRPr lang="en-US" dirty="0"/>
+          </a:p>
+        </p:txBody>
+      </p:sp>
+      <p:cxnSp>
+        <p:nvCxnSpPr>
+          <p:cNvPr id="8" name="Rak pil 7"/>
+          <p:cNvCxnSpPr/>
+          <p:nvPr/>
+        </p:nvCxnSpPr>
+        <p:spPr>
+          <a:xfrm>
+            <a:off x="3275856" y="5769260"/>
+            <a:ext cx="2592288" cy="0"/>
+          </a:xfrm>
+          <a:prstGeom prst="straightConnector1">
+            <a:avLst/>
+          </a:prstGeom>
+          <a:ln>
+            <a:tailEnd type="triangle"/>
+          </a:ln>
+        </p:spPr>
+        <p:style>
+          <a:lnRef idx="1">
+            <a:schemeClr val="accent1"/>
+          </a:lnRef>
+          <a:fillRef idx="0">
+            <a:schemeClr val="accent1"/>
+          </a:fillRef>
+          <a:effectRef idx="0">
+            <a:schemeClr val="accent1"/>
+          </a:effectRef>
+          <a:fontRef idx="minor">
+            <a:schemeClr val="tx1"/>
+          </a:fontRef>
+        </p:style>
+      </p:cxnSp>
+      <p:sp>
+        <p:nvSpPr>
+          <p:cNvPr id="9" name="textruta 8"/>
+          <p:cNvSpPr txBox="1"/>
+          <p:nvPr/>
+        </p:nvSpPr>
+        <p:spPr>
+          <a:xfrm>
+            <a:off x="3907340" y="5435932"/>
+            <a:ext cx="1410643" cy="369332"/>
+          </a:xfrm>
+          <a:prstGeom prst="rect">
+            <a:avLst/>
+          </a:prstGeom>
+          <a:noFill/>
+        </p:spPr>
+        <p:txBody>
+          <a:bodyPr wrap="none" rtlCol="0">
+            <a:spAutoFit/>
+          </a:bodyPr>
+          <a:lstStyle/>
+          <a:p>
+            <a:r>
+              <a:rPr lang="en-US" dirty="0" smtClean="0"/>
+              <a:t>2 Credentials</a:t>
+            </a:r>
+            <a:endParaRPr lang="en-US" dirty="0"/>
+          </a:p>
+        </p:txBody>
+      </p:sp>
+      <p:cxnSp>
+        <p:nvCxnSpPr>
+          <p:cNvPr id="10" name="Rak pil 9"/>
+          <p:cNvCxnSpPr/>
+          <p:nvPr/>
+        </p:nvCxnSpPr>
+        <p:spPr>
+          <a:xfrm flipH="1">
+            <a:off x="3275856" y="5373216"/>
+            <a:ext cx="2592288" cy="0"/>
+          </a:xfrm>
+          <a:prstGeom prst="straightConnector1">
+            <a:avLst/>
+          </a:prstGeom>
+          <a:ln>
+            <a:tailEnd type="triangle"/>
+          </a:ln>
+        </p:spPr>
+        <p:style>
+          <a:lnRef idx="1">
+            <a:schemeClr val="accent1"/>
+          </a:lnRef>
+          <a:fillRef idx="0">
+            <a:schemeClr val="accent1"/>
+          </a:fillRef>
+          <a:effectRef idx="0">
+            <a:schemeClr val="accent1"/>
+          </a:effectRef>
+          <a:fontRef idx="minor">
+            <a:schemeClr val="tx1"/>
+          </a:fontRef>
+        </p:style>
+      </p:cxnSp>
+      <p:sp>
+        <p:nvSpPr>
+          <p:cNvPr id="11" name="textruta 10"/>
+          <p:cNvSpPr txBox="1"/>
+          <p:nvPr/>
+        </p:nvSpPr>
+        <p:spPr>
+          <a:xfrm>
+            <a:off x="3801949" y="5003884"/>
+            <a:ext cx="1710020" cy="369332"/>
+          </a:xfrm>
+          <a:prstGeom prst="rect">
+            <a:avLst/>
+          </a:prstGeom>
+          <a:noFill/>
+        </p:spPr>
+        <p:txBody>
+          <a:bodyPr wrap="none" rtlCol="0">
+            <a:spAutoFit/>
+          </a:bodyPr>
+          <a:lstStyle/>
+          <a:p>
+            <a:r>
+              <a:rPr lang="en-US" dirty="0" smtClean="0"/>
+              <a:t>3 Security Token</a:t>
+            </a:r>
+            <a:endParaRPr lang="en-US" dirty="0"/>
+          </a:p>
+        </p:txBody>
+      </p:sp>
+      <p:cxnSp>
+        <p:nvCxnSpPr>
+          <p:cNvPr id="15" name="Vinklad  14"/>
+          <p:cNvCxnSpPr/>
+          <p:nvPr/>
+        </p:nvCxnSpPr>
+        <p:spPr>
+          <a:xfrm flipV="1">
+            <a:off x="2771800" y="4149080"/>
+            <a:ext cx="3096344" cy="677921"/>
+          </a:xfrm>
+          <a:prstGeom prst="bentConnector3">
+            <a:avLst>
+              <a:gd name="adj1" fmla="val 263"/>
+            </a:avLst>
+          </a:prstGeom>
+          <a:ln>
+            <a:tailEnd type="triangle"/>
+          </a:ln>
+        </p:spPr>
+        <p:style>
+          <a:lnRef idx="1">
+            <a:schemeClr val="accent1"/>
+          </a:lnRef>
+          <a:fillRef idx="0">
+            <a:schemeClr val="accent1"/>
+          </a:fillRef>
+          <a:effectRef idx="0">
+            <a:schemeClr val="accent1"/>
+          </a:effectRef>
+          <a:fontRef idx="minor">
+            <a:schemeClr val="tx1"/>
+          </a:fontRef>
+        </p:style>
+      </p:cxnSp>
+      <p:sp>
+        <p:nvSpPr>
+          <p:cNvPr id="25" name="textruta 24"/>
+          <p:cNvSpPr txBox="1"/>
+          <p:nvPr/>
+        </p:nvSpPr>
+        <p:spPr>
+          <a:xfrm>
+            <a:off x="3779912" y="3779748"/>
+            <a:ext cx="1710020" cy="369332"/>
+          </a:xfrm>
+          <a:prstGeom prst="rect">
+            <a:avLst/>
+          </a:prstGeom>
+          <a:noFill/>
+        </p:spPr>
+        <p:txBody>
+          <a:bodyPr wrap="none" rtlCol="0">
+            <a:spAutoFit/>
+          </a:bodyPr>
+          <a:lstStyle/>
+          <a:p>
+            <a:r>
+              <a:rPr lang="en-US" dirty="0" smtClean="0"/>
+              <a:t>4 Security Token</a:t>
+            </a:r>
+            <a:endParaRPr lang="en-US" dirty="0"/>
+          </a:p>
+        </p:txBody>
+      </p:sp>
+      <p:cxnSp>
+        <p:nvCxnSpPr>
+          <p:cNvPr id="12" name="Rak pil 11"/>
+          <p:cNvCxnSpPr/>
+          <p:nvPr/>
+        </p:nvCxnSpPr>
+        <p:spPr>
+          <a:xfrm>
+            <a:off x="7092280" y="4445400"/>
+            <a:ext cx="0" cy="495768"/>
+          </a:xfrm>
+          <a:prstGeom prst="straightConnector1">
+            <a:avLst/>
+          </a:prstGeom>
+          <a:ln>
+            <a:tailEnd type="triangle"/>
+          </a:ln>
+        </p:spPr>
+        <p:style>
+          <a:lnRef idx="1">
+            <a:schemeClr val="accent1"/>
+          </a:lnRef>
+          <a:fillRef idx="0">
+            <a:schemeClr val="accent1"/>
+          </a:fillRef>
+          <a:effectRef idx="0">
+            <a:schemeClr val="accent1"/>
+          </a:effectRef>
+          <a:fontRef idx="minor">
+            <a:schemeClr val="tx1"/>
+          </a:fontRef>
+        </p:style>
+      </p:cxnSp>
+      <p:sp>
+        <p:nvSpPr>
+          <p:cNvPr id="13" name="textruta 12"/>
+          <p:cNvSpPr txBox="1"/>
+          <p:nvPr/>
+        </p:nvSpPr>
+        <p:spPr>
+          <a:xfrm>
+            <a:off x="7251942" y="4508618"/>
+            <a:ext cx="1053365" cy="369332"/>
+          </a:xfrm>
+          <a:prstGeom prst="rect">
+            <a:avLst/>
+          </a:prstGeom>
+          <a:noFill/>
+        </p:spPr>
+        <p:txBody>
+          <a:bodyPr wrap="none" rtlCol="0">
+            <a:spAutoFit/>
+          </a:bodyPr>
+          <a:lstStyle/>
+          <a:p>
+            <a:r>
+              <a:rPr lang="en-US" dirty="0" smtClean="0"/>
+              <a:t>5 Trusted</a:t>
+            </a:r>
+            <a:endParaRPr lang="en-US" dirty="0"/>
+          </a:p>
+        </p:txBody>
+      </p:sp>
+      <p:cxnSp>
+        <p:nvCxnSpPr>
+          <p:cNvPr id="16" name="Vinklad  15"/>
+          <p:cNvCxnSpPr/>
+          <p:nvPr/>
+        </p:nvCxnSpPr>
+        <p:spPr>
+          <a:xfrm rot="10800000" flipV="1">
+            <a:off x="1763688" y="3437287"/>
+            <a:ext cx="4104456" cy="1431872"/>
+          </a:xfrm>
+          <a:prstGeom prst="bentConnector3">
+            <a:avLst>
+              <a:gd name="adj1" fmla="val 100035"/>
+            </a:avLst>
+          </a:prstGeom>
+          <a:ln>
+            <a:tailEnd type="triangle"/>
+          </a:ln>
+        </p:spPr>
+        <p:style>
+          <a:lnRef idx="1">
+            <a:schemeClr val="accent1"/>
+          </a:lnRef>
+          <a:fillRef idx="0">
+            <a:schemeClr val="accent1"/>
+          </a:fillRef>
+          <a:effectRef idx="0">
+            <a:schemeClr val="accent1"/>
+          </a:effectRef>
+          <a:fontRef idx="minor">
+            <a:schemeClr val="tx1"/>
+          </a:fontRef>
+        </p:style>
+      </p:cxnSp>
+      <p:sp>
+        <p:nvSpPr>
+          <p:cNvPr id="17" name="textruta 16"/>
+          <p:cNvSpPr txBox="1"/>
+          <p:nvPr/>
+        </p:nvSpPr>
+        <p:spPr>
+          <a:xfrm>
+            <a:off x="3302314" y="3025797"/>
+            <a:ext cx="2612318" cy="369332"/>
+          </a:xfrm>
+          <a:prstGeom prst="rect">
+            <a:avLst/>
+          </a:prstGeom>
+          <a:noFill/>
+        </p:spPr>
+        <p:txBody>
+          <a:bodyPr wrap="none" rtlCol="0">
+            <a:spAutoFit/>
+          </a:bodyPr>
+          <a:lstStyle/>
+          <a:p>
+            <a:r>
+              <a:rPr lang="en-US" dirty="0" smtClean="0"/>
+              <a:t>1 Requests Security Token</a:t>
+            </a:r>
+            <a:endParaRPr lang="en-US" dirty="0"/>
+          </a:p>
+        </p:txBody>
+      </p:sp>
+    </p:spTree>
+    <p:extLst>
+      <p:ext uri="{BB962C8B-B14F-4D97-AF65-F5344CB8AC3E}">
+        <p14:creationId xmlns:p14="http://schemas.microsoft.com/office/powerpoint/2010/main" val="3031303811"/>
       </p:ext>
     </p:extLst>
   </p:cSld>
@@ -10370,11 +13245,11 @@
           <a:p>
             <a:r>
               <a:rPr lang="en-US" dirty="0"/>
-              <a:t>Password </a:t>
+              <a:t>Password R</a:t>
             </a:r>
             <a:r>
               <a:rPr lang="en-US" dirty="0" smtClean="0"/>
-              <a:t>reset</a:t>
+              <a:t>eset</a:t>
             </a:r>
           </a:p>
           <a:p>
@@ -10386,8 +13261,23 @@
           <a:p>
             <a:r>
               <a:rPr lang="en-US" dirty="0" smtClean="0"/>
-              <a:t>Security Stamp</a:t>
-            </a:r>
+              <a:t>Security </a:t>
+            </a:r>
+            <a:r>
+              <a:rPr lang="en-US" dirty="0" smtClean="0"/>
+              <a:t>Stamp</a:t>
+            </a:r>
+          </a:p>
+          <a:p>
+            <a:r>
+              <a:rPr lang="en-US" dirty="0" smtClean="0"/>
+              <a:t>Security </a:t>
+            </a:r>
+            <a:r>
+              <a:rPr lang="en-US" smtClean="0"/>
+              <a:t>Token Service</a:t>
+            </a:r>
+            <a:endParaRPr lang="en-US" dirty="0" smtClean="0"/>
           </a:p>
         </p:txBody>
       </p:sp>
@@ -10395,6 +13285,639 @@
     <p:extLst>
       <p:ext uri="{BB962C8B-B14F-4D97-AF65-F5344CB8AC3E}">
         <p14:creationId xmlns:p14="http://schemas.microsoft.com/office/powerpoint/2010/main" val="3090108350"/>
+      </p:ext>
+    </p:extLst>
+  </p:cSld>
+  <p:clrMapOvr>
+    <a:masterClrMapping/>
+  </p:clrMapOvr>
+  <p:timing>
+    <p:tnLst>
+      <p:par>
+        <p:cTn id="1" dur="indefinite" restart="never" nodeType="tmRoot"/>
+      </p:par>
+    </p:tnLst>
+  </p:timing>
+</p:sld>
+</file>
+
+<file path=ppt/slides/slide20.xml><?xml version="1.0" encoding="utf-8"?>
+<p:sld xmlns:a="http://schemas.openxmlformats.org/drawingml/2006/main" xmlns:r="http://schemas.openxmlformats.org/officeDocument/2006/relationships" xmlns:p="http://schemas.openxmlformats.org/presentationml/2006/main">
+  <p:cSld>
+    <p:spTree>
+      <p:nvGrpSpPr>
+        <p:cNvPr id="1" name=""/>
+        <p:cNvGrpSpPr/>
+        <p:nvPr/>
+      </p:nvGrpSpPr>
+      <p:grpSpPr>
+        <a:xfrm>
+          <a:off x="0" y="0"/>
+          <a:ext cx="0" cy="0"/>
+          <a:chOff x="0" y="0"/>
+          <a:chExt cx="0" cy="0"/>
+        </a:xfrm>
+      </p:grpSpPr>
+      <p:sp>
+        <p:nvSpPr>
+          <p:cNvPr id="2" name="Rubrik 1"/>
+          <p:cNvSpPr>
+            <a:spLocks noGrp="1"/>
+          </p:cNvSpPr>
+          <p:nvPr>
+            <p:ph type="title"/>
+          </p:nvPr>
+        </p:nvSpPr>
+        <p:spPr/>
+        <p:txBody>
+          <a:bodyPr/>
+          <a:lstStyle/>
+          <a:p>
+            <a:r>
+              <a:rPr lang="en-US" dirty="0"/>
+              <a:t>ASP.NET Identity – Security Features</a:t>
+            </a:r>
+            <a:endParaRPr lang="en-US" dirty="0"/>
+          </a:p>
+        </p:txBody>
+      </p:sp>
+      <p:sp>
+        <p:nvSpPr>
+          <p:cNvPr id="3" name="Platshållare för innehåll 2"/>
+          <p:cNvSpPr>
+            <a:spLocks noGrp="1"/>
+          </p:cNvSpPr>
+          <p:nvPr>
+            <p:ph idx="1"/>
+          </p:nvPr>
+        </p:nvSpPr>
+        <p:spPr>
+          <a:xfrm>
+            <a:off x="467544" y="836712"/>
+            <a:ext cx="8352928" cy="5289451"/>
+          </a:xfrm>
+        </p:spPr>
+        <p:txBody>
+          <a:bodyPr>
+            <a:normAutofit/>
+          </a:bodyPr>
+          <a:lstStyle/>
+          <a:p>
+            <a:pPr marL="0" indent="0" algn="ctr">
+              <a:buNone/>
+            </a:pPr>
+            <a:r>
+              <a:rPr lang="en-US" dirty="0" smtClean="0"/>
+              <a:t>STS Flow illustration</a:t>
+            </a:r>
+            <a:r>
+              <a:rPr lang="en-US" sz="2400" dirty="0" smtClean="0"/>
+              <a:t/>
+            </a:r>
+            <a:br>
+              <a:rPr lang="en-US" sz="2400" dirty="0" smtClean="0"/>
+            </a:br>
+            <a:endParaRPr lang="en-US" sz="2400" dirty="0" smtClean="0"/>
+          </a:p>
+          <a:p>
+            <a:pPr marL="0" indent="0">
+              <a:buNone/>
+            </a:pPr>
+            <a:r>
+              <a:rPr lang="en-US" sz="2400" dirty="0" smtClean="0"/>
+              <a:t>If the STS is trusted the web application returns an encrypted cookie to the user for </a:t>
+            </a:r>
+            <a:r>
+              <a:rPr lang="en-US" sz="2400" dirty="0" smtClean="0"/>
+              <a:t>authorization </a:t>
+            </a:r>
+            <a:r>
+              <a:rPr lang="en-US" sz="2400" dirty="0" smtClean="0"/>
+              <a:t>purposes</a:t>
+            </a:r>
+            <a:endParaRPr lang="en-US" sz="2400" dirty="0"/>
+          </a:p>
+        </p:txBody>
+      </p:sp>
+      <p:sp>
+        <p:nvSpPr>
+          <p:cNvPr id="5" name="Rektangel 4"/>
+          <p:cNvSpPr/>
+          <p:nvPr/>
+        </p:nvSpPr>
+        <p:spPr>
+          <a:xfrm>
+            <a:off x="827584" y="5013176"/>
+            <a:ext cx="2232248" cy="936104"/>
+          </a:xfrm>
+          <a:prstGeom prst="rect">
+            <a:avLst/>
+          </a:prstGeom>
+        </p:spPr>
+        <p:style>
+          <a:lnRef idx="2">
+            <a:schemeClr val="accent1">
+              <a:shade val="50000"/>
+            </a:schemeClr>
+          </a:lnRef>
+          <a:fillRef idx="1">
+            <a:schemeClr val="accent1"/>
+          </a:fillRef>
+          <a:effectRef idx="0">
+            <a:schemeClr val="accent1"/>
+          </a:effectRef>
+          <a:fontRef idx="minor">
+            <a:schemeClr val="lt1"/>
+          </a:fontRef>
+        </p:style>
+        <p:txBody>
+          <a:bodyPr rtlCol="0" anchor="ctr"/>
+          <a:lstStyle/>
+          <a:p>
+            <a:pPr algn="ctr"/>
+            <a:r>
+              <a:rPr lang="en-US" dirty="0" smtClean="0"/>
+              <a:t>User</a:t>
+            </a:r>
+            <a:endParaRPr lang="en-US" dirty="0"/>
+          </a:p>
+        </p:txBody>
+      </p:sp>
+      <p:sp>
+        <p:nvSpPr>
+          <p:cNvPr id="6" name="Rektangel 5"/>
+          <p:cNvSpPr/>
+          <p:nvPr/>
+        </p:nvSpPr>
+        <p:spPr>
+          <a:xfrm>
+            <a:off x="5977317" y="3395129"/>
+            <a:ext cx="2232248" cy="936104"/>
+          </a:xfrm>
+          <a:prstGeom prst="rect">
+            <a:avLst/>
+          </a:prstGeom>
+        </p:spPr>
+        <p:style>
+          <a:lnRef idx="2">
+            <a:schemeClr val="accent1">
+              <a:shade val="50000"/>
+            </a:schemeClr>
+          </a:lnRef>
+          <a:fillRef idx="1">
+            <a:schemeClr val="accent1"/>
+          </a:fillRef>
+          <a:effectRef idx="0">
+            <a:schemeClr val="accent1"/>
+          </a:effectRef>
+          <a:fontRef idx="minor">
+            <a:schemeClr val="lt1"/>
+          </a:fontRef>
+        </p:style>
+        <p:txBody>
+          <a:bodyPr rtlCol="0" anchor="ctr"/>
+          <a:lstStyle/>
+          <a:p>
+            <a:pPr algn="ctr"/>
+            <a:r>
+              <a:rPr lang="en-US" dirty="0" smtClean="0"/>
+              <a:t>Web Application</a:t>
+            </a:r>
+          </a:p>
+        </p:txBody>
+      </p:sp>
+      <p:sp>
+        <p:nvSpPr>
+          <p:cNvPr id="7" name="Rektangel 6"/>
+          <p:cNvSpPr/>
+          <p:nvPr/>
+        </p:nvSpPr>
+        <p:spPr>
+          <a:xfrm>
+            <a:off x="6012160" y="5013176"/>
+            <a:ext cx="2232248" cy="936104"/>
+          </a:xfrm>
+          <a:prstGeom prst="rect">
+            <a:avLst/>
+          </a:prstGeom>
+        </p:spPr>
+        <p:style>
+          <a:lnRef idx="2">
+            <a:schemeClr val="accent1">
+              <a:shade val="50000"/>
+            </a:schemeClr>
+          </a:lnRef>
+          <a:fillRef idx="1">
+            <a:schemeClr val="accent1"/>
+          </a:fillRef>
+          <a:effectRef idx="0">
+            <a:schemeClr val="accent1"/>
+          </a:effectRef>
+          <a:fontRef idx="minor">
+            <a:schemeClr val="lt1"/>
+          </a:fontRef>
+        </p:style>
+        <p:txBody>
+          <a:bodyPr rtlCol="0" anchor="ctr"/>
+          <a:lstStyle/>
+          <a:p>
+            <a:pPr algn="ctr"/>
+            <a:r>
+              <a:rPr lang="en-US" dirty="0" smtClean="0"/>
+              <a:t>Secure Token Service</a:t>
+            </a:r>
+            <a:endParaRPr lang="en-US" dirty="0"/>
+          </a:p>
+        </p:txBody>
+      </p:sp>
+      <p:cxnSp>
+        <p:nvCxnSpPr>
+          <p:cNvPr id="8" name="Rak pil 7"/>
+          <p:cNvCxnSpPr/>
+          <p:nvPr/>
+        </p:nvCxnSpPr>
+        <p:spPr>
+          <a:xfrm>
+            <a:off x="3275856" y="5769260"/>
+            <a:ext cx="2592288" cy="0"/>
+          </a:xfrm>
+          <a:prstGeom prst="straightConnector1">
+            <a:avLst/>
+          </a:prstGeom>
+          <a:ln>
+            <a:tailEnd type="triangle"/>
+          </a:ln>
+        </p:spPr>
+        <p:style>
+          <a:lnRef idx="1">
+            <a:schemeClr val="accent1"/>
+          </a:lnRef>
+          <a:fillRef idx="0">
+            <a:schemeClr val="accent1"/>
+          </a:fillRef>
+          <a:effectRef idx="0">
+            <a:schemeClr val="accent1"/>
+          </a:effectRef>
+          <a:fontRef idx="minor">
+            <a:schemeClr val="tx1"/>
+          </a:fontRef>
+        </p:style>
+      </p:cxnSp>
+      <p:sp>
+        <p:nvSpPr>
+          <p:cNvPr id="9" name="textruta 8"/>
+          <p:cNvSpPr txBox="1"/>
+          <p:nvPr/>
+        </p:nvSpPr>
+        <p:spPr>
+          <a:xfrm>
+            <a:off x="3907340" y="5435932"/>
+            <a:ext cx="1410643" cy="369332"/>
+          </a:xfrm>
+          <a:prstGeom prst="rect">
+            <a:avLst/>
+          </a:prstGeom>
+          <a:noFill/>
+        </p:spPr>
+        <p:txBody>
+          <a:bodyPr wrap="none" rtlCol="0">
+            <a:spAutoFit/>
+          </a:bodyPr>
+          <a:lstStyle/>
+          <a:p>
+            <a:r>
+              <a:rPr lang="en-US" dirty="0" smtClean="0"/>
+              <a:t>2 Credentials</a:t>
+            </a:r>
+            <a:endParaRPr lang="en-US" dirty="0"/>
+          </a:p>
+        </p:txBody>
+      </p:sp>
+      <p:cxnSp>
+        <p:nvCxnSpPr>
+          <p:cNvPr id="10" name="Rak pil 9"/>
+          <p:cNvCxnSpPr/>
+          <p:nvPr/>
+        </p:nvCxnSpPr>
+        <p:spPr>
+          <a:xfrm flipH="1">
+            <a:off x="3275856" y="5373216"/>
+            <a:ext cx="2592288" cy="0"/>
+          </a:xfrm>
+          <a:prstGeom prst="straightConnector1">
+            <a:avLst/>
+          </a:prstGeom>
+          <a:ln>
+            <a:tailEnd type="triangle"/>
+          </a:ln>
+        </p:spPr>
+        <p:style>
+          <a:lnRef idx="1">
+            <a:schemeClr val="accent1"/>
+          </a:lnRef>
+          <a:fillRef idx="0">
+            <a:schemeClr val="accent1"/>
+          </a:fillRef>
+          <a:effectRef idx="0">
+            <a:schemeClr val="accent1"/>
+          </a:effectRef>
+          <a:fontRef idx="minor">
+            <a:schemeClr val="tx1"/>
+          </a:fontRef>
+        </p:style>
+      </p:cxnSp>
+      <p:sp>
+        <p:nvSpPr>
+          <p:cNvPr id="11" name="textruta 10"/>
+          <p:cNvSpPr txBox="1"/>
+          <p:nvPr/>
+        </p:nvSpPr>
+        <p:spPr>
+          <a:xfrm>
+            <a:off x="3801949" y="5003884"/>
+            <a:ext cx="1710020" cy="369332"/>
+          </a:xfrm>
+          <a:prstGeom prst="rect">
+            <a:avLst/>
+          </a:prstGeom>
+          <a:noFill/>
+        </p:spPr>
+        <p:txBody>
+          <a:bodyPr wrap="none" rtlCol="0">
+            <a:spAutoFit/>
+          </a:bodyPr>
+          <a:lstStyle/>
+          <a:p>
+            <a:r>
+              <a:rPr lang="en-US" dirty="0" smtClean="0"/>
+              <a:t>3 Security Token</a:t>
+            </a:r>
+            <a:endParaRPr lang="en-US" dirty="0"/>
+          </a:p>
+        </p:txBody>
+      </p:sp>
+      <p:cxnSp>
+        <p:nvCxnSpPr>
+          <p:cNvPr id="15" name="Vinklad  14"/>
+          <p:cNvCxnSpPr/>
+          <p:nvPr/>
+        </p:nvCxnSpPr>
+        <p:spPr>
+          <a:xfrm flipV="1">
+            <a:off x="2771800" y="4149080"/>
+            <a:ext cx="3096344" cy="677921"/>
+          </a:xfrm>
+          <a:prstGeom prst="bentConnector3">
+            <a:avLst>
+              <a:gd name="adj1" fmla="val 263"/>
+            </a:avLst>
+          </a:prstGeom>
+          <a:ln>
+            <a:tailEnd type="triangle"/>
+          </a:ln>
+        </p:spPr>
+        <p:style>
+          <a:lnRef idx="1">
+            <a:schemeClr val="accent1"/>
+          </a:lnRef>
+          <a:fillRef idx="0">
+            <a:schemeClr val="accent1"/>
+          </a:fillRef>
+          <a:effectRef idx="0">
+            <a:schemeClr val="accent1"/>
+          </a:effectRef>
+          <a:fontRef idx="minor">
+            <a:schemeClr val="tx1"/>
+          </a:fontRef>
+        </p:style>
+      </p:cxnSp>
+      <p:sp>
+        <p:nvSpPr>
+          <p:cNvPr id="25" name="textruta 24"/>
+          <p:cNvSpPr txBox="1"/>
+          <p:nvPr/>
+        </p:nvSpPr>
+        <p:spPr>
+          <a:xfrm>
+            <a:off x="3779912" y="3779748"/>
+            <a:ext cx="1710020" cy="369332"/>
+          </a:xfrm>
+          <a:prstGeom prst="rect">
+            <a:avLst/>
+          </a:prstGeom>
+          <a:noFill/>
+        </p:spPr>
+        <p:txBody>
+          <a:bodyPr wrap="none" rtlCol="0">
+            <a:spAutoFit/>
+          </a:bodyPr>
+          <a:lstStyle/>
+          <a:p>
+            <a:r>
+              <a:rPr lang="en-US" dirty="0" smtClean="0"/>
+              <a:t>4 Security Token</a:t>
+            </a:r>
+            <a:endParaRPr lang="en-US" dirty="0"/>
+          </a:p>
+        </p:txBody>
+      </p:sp>
+      <p:cxnSp>
+        <p:nvCxnSpPr>
+          <p:cNvPr id="12" name="Rak pil 11"/>
+          <p:cNvCxnSpPr/>
+          <p:nvPr/>
+        </p:nvCxnSpPr>
+        <p:spPr>
+          <a:xfrm>
+            <a:off x="7092280" y="4445400"/>
+            <a:ext cx="0" cy="495768"/>
+          </a:xfrm>
+          <a:prstGeom prst="straightConnector1">
+            <a:avLst/>
+          </a:prstGeom>
+          <a:ln>
+            <a:tailEnd type="triangle"/>
+          </a:ln>
+        </p:spPr>
+        <p:style>
+          <a:lnRef idx="1">
+            <a:schemeClr val="accent1"/>
+          </a:lnRef>
+          <a:fillRef idx="0">
+            <a:schemeClr val="accent1"/>
+          </a:fillRef>
+          <a:effectRef idx="0">
+            <a:schemeClr val="accent1"/>
+          </a:effectRef>
+          <a:fontRef idx="minor">
+            <a:schemeClr val="tx1"/>
+          </a:fontRef>
+        </p:style>
+      </p:cxnSp>
+      <p:sp>
+        <p:nvSpPr>
+          <p:cNvPr id="13" name="textruta 12"/>
+          <p:cNvSpPr txBox="1"/>
+          <p:nvPr/>
+        </p:nvSpPr>
+        <p:spPr>
+          <a:xfrm>
+            <a:off x="7251942" y="4508618"/>
+            <a:ext cx="1053365" cy="369332"/>
+          </a:xfrm>
+          <a:prstGeom prst="rect">
+            <a:avLst/>
+          </a:prstGeom>
+          <a:noFill/>
+        </p:spPr>
+        <p:txBody>
+          <a:bodyPr wrap="none" rtlCol="0">
+            <a:spAutoFit/>
+          </a:bodyPr>
+          <a:lstStyle/>
+          <a:p>
+            <a:r>
+              <a:rPr lang="en-US" dirty="0" smtClean="0"/>
+              <a:t>5 Trusted</a:t>
+            </a:r>
+            <a:endParaRPr lang="en-US" dirty="0"/>
+          </a:p>
+        </p:txBody>
+      </p:sp>
+      <p:cxnSp>
+        <p:nvCxnSpPr>
+          <p:cNvPr id="14" name="Vinklad  13"/>
+          <p:cNvCxnSpPr/>
+          <p:nvPr/>
+        </p:nvCxnSpPr>
+        <p:spPr>
+          <a:xfrm rot="10800000" flipV="1">
+            <a:off x="2267745" y="3779747"/>
+            <a:ext cx="3600399" cy="1089411"/>
+          </a:xfrm>
+          <a:prstGeom prst="bentConnector3">
+            <a:avLst>
+              <a:gd name="adj1" fmla="val 99903"/>
+            </a:avLst>
+          </a:prstGeom>
+          <a:ln>
+            <a:tailEnd type="triangle"/>
+          </a:ln>
+        </p:spPr>
+        <p:style>
+          <a:lnRef idx="1">
+            <a:schemeClr val="accent1"/>
+          </a:lnRef>
+          <a:fillRef idx="0">
+            <a:schemeClr val="accent1"/>
+          </a:fillRef>
+          <a:effectRef idx="0">
+            <a:schemeClr val="accent1"/>
+          </a:effectRef>
+          <a:fontRef idx="minor">
+            <a:schemeClr val="tx1"/>
+          </a:fontRef>
+        </p:style>
+      </p:cxnSp>
+      <p:sp>
+        <p:nvSpPr>
+          <p:cNvPr id="20" name="textruta 19"/>
+          <p:cNvSpPr txBox="1"/>
+          <p:nvPr/>
+        </p:nvSpPr>
+        <p:spPr>
+          <a:xfrm>
+            <a:off x="3632063" y="3395129"/>
+            <a:ext cx="2049792" cy="369332"/>
+          </a:xfrm>
+          <a:prstGeom prst="rect">
+            <a:avLst/>
+          </a:prstGeom>
+          <a:noFill/>
+        </p:spPr>
+        <p:txBody>
+          <a:bodyPr wrap="none" rtlCol="0">
+            <a:spAutoFit/>
+          </a:bodyPr>
+          <a:lstStyle/>
+          <a:p>
+            <a:r>
+              <a:rPr lang="en-US" dirty="0" smtClean="0"/>
+              <a:t>6 Encrypted Cookie </a:t>
+            </a:r>
+            <a:endParaRPr lang="en-US" dirty="0"/>
+          </a:p>
+        </p:txBody>
+      </p:sp>
+      <p:cxnSp>
+        <p:nvCxnSpPr>
+          <p:cNvPr id="16" name="Vinklad  15"/>
+          <p:cNvCxnSpPr/>
+          <p:nvPr/>
+        </p:nvCxnSpPr>
+        <p:spPr>
+          <a:xfrm rot="10800000" flipV="1">
+            <a:off x="1818275" y="3451995"/>
+            <a:ext cx="4104456" cy="1431872"/>
+          </a:xfrm>
+          <a:prstGeom prst="bentConnector3">
+            <a:avLst>
+              <a:gd name="adj1" fmla="val 100035"/>
+            </a:avLst>
+          </a:prstGeom>
+          <a:ln>
+            <a:tailEnd type="triangle"/>
+          </a:ln>
+        </p:spPr>
+        <p:style>
+          <a:lnRef idx="1">
+            <a:schemeClr val="accent1"/>
+          </a:lnRef>
+          <a:fillRef idx="0">
+            <a:schemeClr val="accent1"/>
+          </a:fillRef>
+          <a:effectRef idx="0">
+            <a:schemeClr val="accent1"/>
+          </a:effectRef>
+          <a:fontRef idx="minor">
+            <a:schemeClr val="tx1"/>
+          </a:fontRef>
+        </p:style>
+      </p:cxnSp>
+      <p:sp>
+        <p:nvSpPr>
+          <p:cNvPr id="22" name="textruta 21"/>
+          <p:cNvSpPr txBox="1"/>
+          <p:nvPr/>
+        </p:nvSpPr>
+        <p:spPr>
+          <a:xfrm>
+            <a:off x="3302314" y="3025797"/>
+            <a:ext cx="2612318" cy="369332"/>
+          </a:xfrm>
+          <a:prstGeom prst="rect">
+            <a:avLst/>
+          </a:prstGeom>
+          <a:noFill/>
+        </p:spPr>
+        <p:txBody>
+          <a:bodyPr wrap="none" rtlCol="0">
+            <a:spAutoFit/>
+          </a:bodyPr>
+          <a:lstStyle/>
+          <a:p>
+            <a:r>
+              <a:rPr lang="en-US" dirty="0" smtClean="0"/>
+              <a:t>1 Requests Security Token</a:t>
+            </a:r>
+            <a:endParaRPr lang="en-US" dirty="0"/>
+          </a:p>
+        </p:txBody>
+      </p:sp>
+    </p:spTree>
+    <p:extLst>
+      <p:ext uri="{BB962C8B-B14F-4D97-AF65-F5344CB8AC3E}">
+        <p14:creationId xmlns:p14="http://schemas.microsoft.com/office/powerpoint/2010/main" val="1127276528"/>
       </p:ext>
     </p:extLst>
   </p:cSld>
@@ -11710,6 +15233,19 @@
           <a:bodyPr/>
           <a:lstStyle/>
           <a:p>
+            <a:pPr marL="0" indent="0">
+              <a:buNone/>
+            </a:pPr>
+            <a:r>
+              <a:rPr lang="en-US" b="1" dirty="0" smtClean="0">
+                <a:solidFill>
+                  <a:srgbClr val="77933C"/>
+                </a:solidFill>
+              </a:rPr>
+              <a:t>Account Confirmation</a:t>
+            </a:r>
+          </a:p>
+          <a:p>
             <a:r>
               <a:rPr lang="en-US" sz="2000" dirty="0" smtClean="0"/>
               <a:t>The user registers to an application</a:t>
@@ -12252,6 +15788,37 @@
                                         <p:tgtEl>
                                           <p:spTgt spid="3">
                                             <p:txEl>
+                                              <p:pRg st="1" end="1"/>
+                                            </p:txEl>
+                                          </p:spTgt>
+                                        </p:tgtEl>
+                                        <p:attrNameLst>
+                                          <p:attrName>style.visibility</p:attrName>
+                                        </p:attrNameLst>
+                                      </p:cBhvr>
+                                      <p:to>
+                                        <p:strVal val="visible"/>
+                                      </p:to>
+                                    </p:set>
+                                  </p:childTnLst>
+                                </p:cTn>
+                              </p:par>
+                              <p:par>
+                                <p:cTn id="11" presetID="1" presetClass="entr" presetSubtype="0" fill="hold" nodeType="withEffect">
+                                  <p:stCondLst>
+                                    <p:cond delay="0"/>
+                                  </p:stCondLst>
+                                  <p:childTnLst>
+                                    <p:set>
+                                      <p:cBhvr>
+                                        <p:cTn id="12" dur="1" fill="hold">
+                                          <p:stCondLst>
+                                            <p:cond delay="0"/>
+                                          </p:stCondLst>
+                                        </p:cTn>
+                                        <p:tgtEl>
+                                          <p:spTgt spid="3">
+                                            <p:txEl>
                                               <p:pRg st="0" end="0"/>
                                             </p:txEl>
                                           </p:spTgt>
@@ -12274,26 +15841,26 @@
                     </p:cTn>
                   </p:par>
                   <p:par>
-                    <p:cTn id="11" fill="hold">
+                    <p:cTn id="13" fill="hold">
                       <p:stCondLst>
                         <p:cond delay="indefinite"/>
                       </p:stCondLst>
                       <p:childTnLst>
                         <p:par>
-                          <p:cTn id="12" fill="hold">
+                          <p:cTn id="14" fill="hold">
                             <p:stCondLst>
                               <p:cond delay="0"/>
                             </p:stCondLst>
                             <p:childTnLst>
                               <p:par>
-                                <p:cTn id="13" presetID="1" presetClass="entr" presetSubtype="0" fill="hold" nodeType="clickEffect">
+                                <p:cTn id="15" presetID="1" presetClass="entr" presetSubtype="0" fill="hold" nodeType="clickEffect">
                                   <p:stCondLst>
                                     <p:cond delay="0"/>
                                   </p:stCondLst>
                                   <p:childTnLst>
                                     <p:set>
                                       <p:cBhvr>
-                                        <p:cTn id="14" dur="1" fill="hold">
+                                        <p:cTn id="16" dur="1" fill="hold">
                                           <p:stCondLst>
                                             <p:cond delay="0"/>
                                           </p:stCondLst>
@@ -12313,14 +15880,14 @@
                                 </p:cTn>
                               </p:par>
                               <p:par>
-                                <p:cTn id="15" presetID="1" presetClass="entr" presetSubtype="0" fill="hold" grpId="0" nodeType="withEffect">
+                                <p:cTn id="17" presetID="1" presetClass="entr" presetSubtype="0" fill="hold" grpId="0" nodeType="withEffect">
                                   <p:stCondLst>
                                     <p:cond delay="0"/>
                                   </p:stCondLst>
                                   <p:childTnLst>
                                     <p:set>
                                       <p:cBhvr>
-                                        <p:cTn id="16" dur="1" fill="hold">
+                                        <p:cTn id="18" dur="1" fill="hold">
                                           <p:stCondLst>
                                             <p:cond delay="0"/>
                                           </p:stCondLst>
@@ -12340,117 +15907,14 @@
                                 </p:cTn>
                               </p:par>
                               <p:par>
-                                <p:cTn id="17" presetID="1" presetClass="entr" presetSubtype="0" fill="hold" nodeType="withEffect">
+                                <p:cTn id="19" presetID="1" presetClass="entr" presetSubtype="0" fill="hold" nodeType="withEffect">
                                   <p:stCondLst>
                                     <p:cond delay="0"/>
                                   </p:stCondLst>
                                   <p:childTnLst>
                                     <p:set>
                                       <p:cBhvr>
-                                        <p:cTn id="18" dur="1" fill="hold">
-                                          <p:stCondLst>
-                                            <p:cond delay="0"/>
-                                          </p:stCondLst>
-                                        </p:cTn>
-                                        <p:tgtEl>
-                                          <p:spTgt spid="3">
-                                            <p:txEl>
-                                              <p:pRg st="1" end="1"/>
-                                            </p:txEl>
-                                          </p:spTgt>
-                                        </p:tgtEl>
-                                        <p:attrNameLst>
-                                          <p:attrName>style.visibility</p:attrName>
-                                        </p:attrNameLst>
-                                      </p:cBhvr>
-                                      <p:to>
-                                        <p:strVal val="visible"/>
-                                      </p:to>
-                                    </p:set>
-                                  </p:childTnLst>
-                                </p:cTn>
-                              </p:par>
-                            </p:childTnLst>
-                          </p:cTn>
-                        </p:par>
-                      </p:childTnLst>
-                    </p:cTn>
-                  </p:par>
-                  <p:par>
-                    <p:cTn id="19" fill="hold">
-                      <p:stCondLst>
-                        <p:cond delay="indefinite"/>
-                      </p:stCondLst>
-                      <p:childTnLst>
-                        <p:par>
-                          <p:cTn id="20" fill="hold">
-                            <p:stCondLst>
-                              <p:cond delay="0"/>
-                            </p:stCondLst>
-                            <p:childTnLst>
-                              <p:par>
-                                <p:cTn id="21" presetID="1" presetClass="entr" presetSubtype="0" fill="hold" nodeType="clickEffect">
-                                  <p:stCondLst>
-                                    <p:cond delay="0"/>
-                                  </p:stCondLst>
-                                  <p:childTnLst>
-                                    <p:set>
-                                      <p:cBhvr>
-                                        <p:cTn id="22" dur="1" fill="hold">
-                                          <p:stCondLst>
-                                            <p:cond delay="0"/>
-                                          </p:stCondLst>
-                                        </p:cTn>
-                                        <p:tgtEl>
-                                          <p:spTgt spid="16"/>
-                                        </p:tgtEl>
-                                        <p:attrNameLst>
-                                          <p:attrName>style.visibility</p:attrName>
-                                        </p:attrNameLst>
-                                      </p:cBhvr>
-                                      <p:to>
-                                        <p:strVal val="visible"/>
-                                      </p:to>
-                                    </p:set>
-                                  </p:childTnLst>
-                                </p:cTn>
-                              </p:par>
-                              <p:par>
-                                <p:cTn id="23" presetID="1" presetClass="entr" presetSubtype="0" fill="hold" grpId="0" nodeType="withEffect">
-                                  <p:stCondLst>
-                                    <p:cond delay="0"/>
-                                  </p:stCondLst>
-                                  <p:childTnLst>
-                                    <p:set>
-                                      <p:cBhvr>
-                                        <p:cTn id="24" dur="1" fill="hold">
-                                          <p:stCondLst>
-                                            <p:cond delay="0"/>
-                                          </p:stCondLst>
-                                        </p:cTn>
-                                        <p:tgtEl>
-                                          <p:spTgt spid="17"/>
-                                        </p:tgtEl>
-                                        <p:attrNameLst>
-                                          <p:attrName>style.visibility</p:attrName>
-                                        </p:attrNameLst>
-                                      </p:cBhvr>
-                                      <p:to>
-                                        <p:strVal val="visible"/>
-                                      </p:to>
-                                    </p:set>
-                                  </p:childTnLst>
-                                </p:cTn>
-                              </p:par>
-                              <p:par>
-                                <p:cTn id="25" presetID="1" presetClass="entr" presetSubtype="0" fill="hold" nodeType="withEffect">
-                                  <p:stCondLst>
-                                    <p:cond delay="0"/>
-                                  </p:stCondLst>
-                                  <p:childTnLst>
-                                    <p:set>
-                                      <p:cBhvr>
-                                        <p:cTn id="26" dur="1" fill="hold">
+                                        <p:cTn id="20" dur="1" fill="hold">
                                           <p:stCondLst>
                                             <p:cond delay="0"/>
                                           </p:stCondLst>
@@ -12480,26 +15944,129 @@
                     </p:cTn>
                   </p:par>
                   <p:par>
-                    <p:cTn id="27" fill="hold">
+                    <p:cTn id="21" fill="hold">
                       <p:stCondLst>
                         <p:cond delay="indefinite"/>
                       </p:stCondLst>
                       <p:childTnLst>
                         <p:par>
-                          <p:cTn id="28" fill="hold">
+                          <p:cTn id="22" fill="hold">
                             <p:stCondLst>
                               <p:cond delay="0"/>
                             </p:stCondLst>
                             <p:childTnLst>
                               <p:par>
-                                <p:cTn id="29" presetID="1" presetClass="entr" presetSubtype="0" fill="hold" nodeType="clickEffect">
+                                <p:cTn id="23" presetID="1" presetClass="entr" presetSubtype="0" fill="hold" nodeType="clickEffect">
                                   <p:stCondLst>
                                     <p:cond delay="0"/>
                                   </p:stCondLst>
                                   <p:childTnLst>
                                     <p:set>
                                       <p:cBhvr>
-                                        <p:cTn id="30" dur="1" fill="hold">
+                                        <p:cTn id="24" dur="1" fill="hold">
+                                          <p:stCondLst>
+                                            <p:cond delay="0"/>
+                                          </p:stCondLst>
+                                        </p:cTn>
+                                        <p:tgtEl>
+                                          <p:spTgt spid="16"/>
+                                        </p:tgtEl>
+                                        <p:attrNameLst>
+                                          <p:attrName>style.visibility</p:attrName>
+                                        </p:attrNameLst>
+                                      </p:cBhvr>
+                                      <p:to>
+                                        <p:strVal val="visible"/>
+                                      </p:to>
+                                    </p:set>
+                                  </p:childTnLst>
+                                </p:cTn>
+                              </p:par>
+                              <p:par>
+                                <p:cTn id="25" presetID="1" presetClass="entr" presetSubtype="0" fill="hold" grpId="0" nodeType="withEffect">
+                                  <p:stCondLst>
+                                    <p:cond delay="0"/>
+                                  </p:stCondLst>
+                                  <p:childTnLst>
+                                    <p:set>
+                                      <p:cBhvr>
+                                        <p:cTn id="26" dur="1" fill="hold">
+                                          <p:stCondLst>
+                                            <p:cond delay="0"/>
+                                          </p:stCondLst>
+                                        </p:cTn>
+                                        <p:tgtEl>
+                                          <p:spTgt spid="17"/>
+                                        </p:tgtEl>
+                                        <p:attrNameLst>
+                                          <p:attrName>style.visibility</p:attrName>
+                                        </p:attrNameLst>
+                                      </p:cBhvr>
+                                      <p:to>
+                                        <p:strVal val="visible"/>
+                                      </p:to>
+                                    </p:set>
+                                  </p:childTnLst>
+                                </p:cTn>
+                              </p:par>
+                              <p:par>
+                                <p:cTn id="27" presetID="1" presetClass="entr" presetSubtype="0" fill="hold" nodeType="withEffect">
+                                  <p:stCondLst>
+                                    <p:cond delay="0"/>
+                                  </p:stCondLst>
+                                  <p:childTnLst>
+                                    <p:set>
+                                      <p:cBhvr>
+                                        <p:cTn id="28" dur="1" fill="hold">
+                                          <p:stCondLst>
+                                            <p:cond delay="0"/>
+                                          </p:stCondLst>
+                                        </p:cTn>
+                                        <p:tgtEl>
+                                          <p:spTgt spid="3">
+                                            <p:txEl>
+                                              <p:pRg st="3" end="3"/>
+                                            </p:txEl>
+                                          </p:spTgt>
+                                        </p:tgtEl>
+                                        <p:attrNameLst>
+                                          <p:attrName>style.visibility</p:attrName>
+                                        </p:attrNameLst>
+                                      </p:cBhvr>
+                                      <p:to>
+                                        <p:strVal val="visible"/>
+                                      </p:to>
+                                    </p:set>
+                                  </p:childTnLst>
+                                </p:cTn>
+                              </p:par>
+                            </p:childTnLst>
+                          </p:cTn>
+                        </p:par>
+                      </p:childTnLst>
+                    </p:cTn>
+                  </p:par>
+                  <p:par>
+                    <p:cTn id="29" fill="hold">
+                      <p:stCondLst>
+                        <p:cond delay="indefinite"/>
+                      </p:stCondLst>
+                      <p:childTnLst>
+                        <p:par>
+                          <p:cTn id="30" fill="hold">
+                            <p:stCondLst>
+                              <p:cond delay="0"/>
+                            </p:stCondLst>
+                            <p:childTnLst>
+                              <p:par>
+                                <p:cTn id="31" presetID="1" presetClass="entr" presetSubtype="0" fill="hold" nodeType="clickEffect">
+                                  <p:stCondLst>
+                                    <p:cond delay="0"/>
+                                  </p:stCondLst>
+                                  <p:childTnLst>
+                                    <p:set>
+                                      <p:cBhvr>
+                                        <p:cTn id="32" dur="1" fill="hold">
                                           <p:stCondLst>
                                             <p:cond delay="0"/>
                                           </p:stCondLst>
@@ -12519,14 +16086,14 @@
                                 </p:cTn>
                               </p:par>
                               <p:par>
-                                <p:cTn id="31" presetID="1" presetClass="entr" presetSubtype="0" fill="hold" grpId="0" nodeType="withEffect">
+                                <p:cTn id="33" presetID="1" presetClass="entr" presetSubtype="0" fill="hold" grpId="0" nodeType="withEffect">
                                   <p:stCondLst>
                                     <p:cond delay="0"/>
                                   </p:stCondLst>
                                   <p:childTnLst>
                                     <p:set>
                                       <p:cBhvr>
-                                        <p:cTn id="32" dur="1" fill="hold">
+                                        <p:cTn id="34" dur="1" fill="hold">
                                           <p:stCondLst>
                                             <p:cond delay="0"/>
                                           </p:stCondLst>
@@ -12546,14 +16113,14 @@
                                 </p:cTn>
                               </p:par>
                               <p:par>
-                                <p:cTn id="33" presetID="1" presetClass="entr" presetSubtype="0" fill="hold" nodeType="withEffect">
+                                <p:cTn id="35" presetID="1" presetClass="entr" presetSubtype="0" fill="hold" nodeType="withEffect">
                                   <p:stCondLst>
                                     <p:cond delay="0"/>
                                   </p:stCondLst>
                                   <p:childTnLst>
                                     <p:set>
                                       <p:cBhvr>
-                                        <p:cTn id="34" dur="1" fill="hold">
+                                        <p:cTn id="36" dur="1" fill="hold">
                                           <p:stCondLst>
                                             <p:cond delay="0"/>
                                           </p:stCondLst>
@@ -12561,7 +16128,7 @@
                                         <p:tgtEl>
                                           <p:spTgt spid="3">
                                             <p:txEl>
-                                              <p:pRg st="3" end="3"/>
+                                              <p:pRg st="4" end="4"/>
                                             </p:txEl>
                                           </p:spTgt>
                                         </p:tgtEl>
@@ -12853,13 +16420,13 @@
           <p:nvPr>
             <p:extLst>
               <p:ext uri="{D42A27DB-BD31-4B8C-83A1-F6EECF244321}">
-                <p14:modId xmlns:p14="http://schemas.microsoft.com/office/powerpoint/2010/main" val="1914935492"/>
+                <p14:modId xmlns:p14="http://schemas.microsoft.com/office/powerpoint/2010/main" val="1235275635"/>
               </p:ext>
             </p:extLst>
           </p:nvPr>
         </p:nvGraphicFramePr>
         <p:xfrm>
-          <a:off x="683568" y="3705954"/>
+          <a:off x="683568" y="2924944"/>
           <a:ext cx="3240360" cy="1595254"/>
         </p:xfrm>
         <a:graphic>
@@ -12875,13 +16442,13 @@
           <p:nvPr>
             <p:extLst>
               <p:ext uri="{D42A27DB-BD31-4B8C-83A1-F6EECF244321}">
-                <p14:modId xmlns:p14="http://schemas.microsoft.com/office/powerpoint/2010/main" val="2954188295"/>
+                <p14:modId xmlns:p14="http://schemas.microsoft.com/office/powerpoint/2010/main" val="1958132616"/>
               </p:ext>
             </p:extLst>
           </p:nvPr>
         </p:nvGraphicFramePr>
         <p:xfrm>
-          <a:off x="5004048" y="3705954"/>
+          <a:off x="5004048" y="2924944"/>
           <a:ext cx="3240360" cy="1595254"/>
         </p:xfrm>
         <a:graphic>
@@ -12890,6 +16457,60 @@
           </a:graphicData>
         </a:graphic>
       </p:graphicFrame>
+      <p:sp>
+        <p:nvSpPr>
+          <p:cNvPr id="4" name="Rektangel 3"/>
+          <p:cNvSpPr/>
+          <p:nvPr/>
+        </p:nvSpPr>
+        <p:spPr>
+          <a:xfrm>
+            <a:off x="472716" y="4869160"/>
+            <a:ext cx="8214084" cy="1080120"/>
+          </a:xfrm>
+          <a:prstGeom prst="rect">
+            <a:avLst/>
+          </a:prstGeom>
+          <a:solidFill>
+            <a:srgbClr val="FFFF99"/>
+          </a:solidFill>
+          <a:ln>
+            <a:solidFill>
+              <a:srgbClr val="FFFF99"/>
+            </a:solidFill>
+          </a:ln>
+        </p:spPr>
+        <p:style>
+          <a:lnRef idx="2">
+            <a:schemeClr val="accent1">
+              <a:shade val="50000"/>
+            </a:schemeClr>
+          </a:lnRef>
+          <a:fillRef idx="1">
+            <a:schemeClr val="accent1"/>
+          </a:fillRef>
+          <a:effectRef idx="0">
+            <a:schemeClr val="accent1"/>
+          </a:effectRef>
+          <a:fontRef idx="minor">
+            <a:schemeClr val="lt1"/>
+          </a:fontRef>
+        </p:style>
+        <p:txBody>
+          <a:bodyPr rtlCol="0" anchor="ctr"/>
+          <a:lstStyle/>
+          <a:p>
+            <a:pPr algn="ctr"/>
+            <a:r>
+              <a:rPr lang="en-GB" sz="1400" u="sng" dirty="0">
+                <a:hlinkClick r:id="rId13"/>
+              </a:rPr>
+              <a:t>http://localhost:1470/Account/ResetPassword?userId=a8b1389c-df93-4dfc-b463-541507c1a4bc&amp;code=yhUegXIM9SZBpPVbBtv22kg7NO7F96B8MJi9MryAadUY5XYjz8srVkS5UL8Lx%2BLPYTU6a6jhqOrzMUkkMyPbEHPY3Ul6%2B%2F0s0qQvtM%2FLLII3s29FgkcK0OnjX46Bmj9JlFCUx53rOH%2FXMacwnKDzoJ1rbrUyypZiJXloIE50Q6iPuMTUHbX9O%2B3JMZtCVXjhhsHLkTOn9IVoN6uVAOMWNQ%3D%3D</a:t>
+            </a:r>
+            <a:endParaRPr lang="en-US" sz="1400" dirty="0"/>
+          </a:p>
+        </p:txBody>
+      </p:sp>
     </p:spTree>
     <p:extLst>
       <p:ext uri="{BB962C8B-B14F-4D97-AF65-F5344CB8AC3E}">
@@ -12900,6 +16521,13 @@
   <p:clrMapOvr>
     <a:masterClrMapping/>
   </p:clrMapOvr>
+  <p:timing>
+    <p:tnLst>
+      <p:par>
+        <p:cTn id="1" dur="indefinite" restart="never" nodeType="tmRoot"/>
+      </p:par>
+    </p:tnLst>
+  </p:timing>
 </p:sld>
 </file>
 
